--- a/presentation.pptx
+++ b/presentation.pptx
@@ -8,7 +8,11 @@
     <p:sldId id="256" r:id="rId2"/>
     <p:sldId id="257" r:id="rId3"/>
     <p:sldId id="258" r:id="rId4"/>
-    <p:sldId id="259" r:id="rId5"/>
+    <p:sldId id="260" r:id="rId5"/>
+    <p:sldId id="261" r:id="rId6"/>
+    <p:sldId id="262" r:id="rId7"/>
+    <p:sldId id="263" r:id="rId8"/>
+    <p:sldId id="264" r:id="rId9"/>
   </p:sldIdLst>
   <p:sldSz cx="12192000" cy="6858000"/>
   <p:notesSz cx="6858000" cy="9144000"/>
@@ -115,12 +119,20 @@
 </p:presentation>
 </file>
 
+<file path=ppt/revisionInfo.xml><?xml version="1.0" encoding="utf-8"?>
+<p1510:revInfo xmlns:a="http://schemas.openxmlformats.org/drawingml/2006/main" xmlns:r="http://schemas.openxmlformats.org/officeDocument/2006/relationships" xmlns:p1510="http://schemas.microsoft.com/office/powerpoint/2015/10/main">
+  <p1510:revLst>
+    <p1510:client id="{5040A991-7A5D-4777-ACC4-EC5D38DE22A4}" v="15" dt="2023-10-14T00:23:12.241"/>
+  </p1510:revLst>
+</p1510:revInfo>
+</file>
+
 <file path=ppt/changesInfos/changesInfo1.xml><?xml version="1.0" encoding="utf-8"?>
 <pc:chgInfo xmlns:a="http://schemas.openxmlformats.org/drawingml/2006/main" xmlns:r="http://schemas.openxmlformats.org/officeDocument/2006/relationships" xmlns:ac="http://schemas.microsoft.com/office/drawing/2013/main/command" xmlns:pc="http://schemas.microsoft.com/office/powerpoint/2013/main/command">
   <pc:docChgLst>
     <pc:chgData name="Sahil Khan" userId="ab0ca60d3e11cd5c" providerId="LiveId" clId="{5040A991-7A5D-4777-ACC4-EC5D38DE22A4}"/>
-    <pc:docChg chg="custSel modSld">
-      <pc:chgData name="Sahil Khan" userId="ab0ca60d3e11cd5c" providerId="LiveId" clId="{5040A991-7A5D-4777-ACC4-EC5D38DE22A4}" dt="2023-10-13T01:52:31.824" v="0" actId="478"/>
+    <pc:docChg chg="undo custSel addSld delSld modSld">
+      <pc:chgData name="Sahil Khan" userId="ab0ca60d3e11cd5c" providerId="LiveId" clId="{5040A991-7A5D-4777-ACC4-EC5D38DE22A4}" dt="2023-10-14T00:24:24.010" v="611" actId="1038"/>
       <pc:docMkLst>
         <pc:docMk/>
       </pc:docMkLst>
@@ -136,6 +148,512 @@
             <pc:docMk/>
             <pc:sldMk cId="663712530" sldId="256"/>
             <ac:spMk id="9" creationId="{4D38C83A-643C-F743-26EC-F410950C7CD8}"/>
+          </ac:spMkLst>
+        </pc:spChg>
+      </pc:sldChg>
+      <pc:sldChg chg="del">
+        <pc:chgData name="Sahil Khan" userId="ab0ca60d3e11cd5c" providerId="LiveId" clId="{5040A991-7A5D-4777-ACC4-EC5D38DE22A4}" dt="2023-10-13T19:49:58.029" v="291" actId="47"/>
+        <pc:sldMkLst>
+          <pc:docMk/>
+          <pc:sldMk cId="1096031608" sldId="259"/>
+        </pc:sldMkLst>
+      </pc:sldChg>
+      <pc:sldChg chg="addSp delSp modSp new mod">
+        <pc:chgData name="Sahil Khan" userId="ab0ca60d3e11cd5c" providerId="LiveId" clId="{5040A991-7A5D-4777-ACC4-EC5D38DE22A4}" dt="2023-10-14T00:24:24.010" v="611" actId="1038"/>
+        <pc:sldMkLst>
+          <pc:docMk/>
+          <pc:sldMk cId="1382838429" sldId="260"/>
+        </pc:sldMkLst>
+        <pc:spChg chg="del">
+          <ac:chgData name="Sahil Khan" userId="ab0ca60d3e11cd5c" providerId="LiveId" clId="{5040A991-7A5D-4777-ACC4-EC5D38DE22A4}" dt="2023-10-13T19:38:18.288" v="2" actId="478"/>
+          <ac:spMkLst>
+            <pc:docMk/>
+            <pc:sldMk cId="1382838429" sldId="260"/>
+            <ac:spMk id="2" creationId="{3C8EB114-100F-B876-AE35-0184377D12A1}"/>
+          </ac:spMkLst>
+        </pc:spChg>
+        <pc:spChg chg="del">
+          <ac:chgData name="Sahil Khan" userId="ab0ca60d3e11cd5c" providerId="LiveId" clId="{5040A991-7A5D-4777-ACC4-EC5D38DE22A4}" dt="2023-10-13T19:38:18.288" v="2" actId="478"/>
+          <ac:spMkLst>
+            <pc:docMk/>
+            <pc:sldMk cId="1382838429" sldId="260"/>
+            <ac:spMk id="3" creationId="{B1E75313-EA10-A033-A2E7-12FD05809FD5}"/>
+          </ac:spMkLst>
+        </pc:spChg>
+        <pc:spChg chg="add mod">
+          <ac:chgData name="Sahil Khan" userId="ab0ca60d3e11cd5c" providerId="LiveId" clId="{5040A991-7A5D-4777-ACC4-EC5D38DE22A4}" dt="2023-10-13T19:38:19.465" v="3"/>
+          <ac:spMkLst>
+            <pc:docMk/>
+            <pc:sldMk cId="1382838429" sldId="260"/>
+            <ac:spMk id="4" creationId="{5108186F-3D6A-0EAD-5393-04223D215237}"/>
+          </ac:spMkLst>
+        </pc:spChg>
+        <pc:spChg chg="add mod">
+          <ac:chgData name="Sahil Khan" userId="ab0ca60d3e11cd5c" providerId="LiveId" clId="{5040A991-7A5D-4777-ACC4-EC5D38DE22A4}" dt="2023-10-13T19:38:19.465" v="3"/>
+          <ac:spMkLst>
+            <pc:docMk/>
+            <pc:sldMk cId="1382838429" sldId="260"/>
+            <ac:spMk id="5" creationId="{1F877B65-4A6F-F704-2C3B-AB7F03C2E766}"/>
+          </ac:spMkLst>
+        </pc:spChg>
+        <pc:spChg chg="add mod">
+          <ac:chgData name="Sahil Khan" userId="ab0ca60d3e11cd5c" providerId="LiveId" clId="{5040A991-7A5D-4777-ACC4-EC5D38DE22A4}" dt="2023-10-13T19:38:19.465" v="3"/>
+          <ac:spMkLst>
+            <pc:docMk/>
+            <pc:sldMk cId="1382838429" sldId="260"/>
+            <ac:spMk id="6" creationId="{EE997247-92F3-7F17-B840-E2589B7D46EF}"/>
+          </ac:spMkLst>
+        </pc:spChg>
+        <pc:spChg chg="add del mod">
+          <ac:chgData name="Sahil Khan" userId="ab0ca60d3e11cd5c" providerId="LiveId" clId="{5040A991-7A5D-4777-ACC4-EC5D38DE22A4}" dt="2023-10-13T19:38:29.033" v="4" actId="478"/>
+          <ac:spMkLst>
+            <pc:docMk/>
+            <pc:sldMk cId="1382838429" sldId="260"/>
+            <ac:spMk id="7" creationId="{5C826539-302A-4471-1AFD-86203552D1BC}"/>
+          </ac:spMkLst>
+        </pc:spChg>
+        <pc:spChg chg="add mod">
+          <ac:chgData name="Sahil Khan" userId="ab0ca60d3e11cd5c" providerId="LiveId" clId="{5040A991-7A5D-4777-ACC4-EC5D38DE22A4}" dt="2023-10-14T00:23:05.740" v="573" actId="1035"/>
+          <ac:spMkLst>
+            <pc:docMk/>
+            <pc:sldMk cId="1382838429" sldId="260"/>
+            <ac:spMk id="8" creationId="{3FB6DDA1-2691-2D8E-5E49-2B19B95DE949}"/>
+          </ac:spMkLst>
+        </pc:spChg>
+        <pc:spChg chg="add del mod">
+          <ac:chgData name="Sahil Khan" userId="ab0ca60d3e11cd5c" providerId="LiveId" clId="{5040A991-7A5D-4777-ACC4-EC5D38DE22A4}" dt="2023-10-14T00:23:22.896" v="588" actId="478"/>
+          <ac:spMkLst>
+            <pc:docMk/>
+            <pc:sldMk cId="1382838429" sldId="260"/>
+            <ac:spMk id="9" creationId="{CA3367CA-93A5-A5AE-5C5A-DF128E2C8E0A}"/>
+          </ac:spMkLst>
+        </pc:spChg>
+        <pc:spChg chg="add del mod">
+          <ac:chgData name="Sahil Khan" userId="ab0ca60d3e11cd5c" providerId="LiveId" clId="{5040A991-7A5D-4777-ACC4-EC5D38DE22A4}" dt="2023-10-14T00:23:25.174" v="589" actId="478"/>
+          <ac:spMkLst>
+            <pc:docMk/>
+            <pc:sldMk cId="1382838429" sldId="260"/>
+            <ac:spMk id="10" creationId="{615FA201-42ED-17B0-B13E-F17971BEB378}"/>
+          </ac:spMkLst>
+        </pc:spChg>
+        <pc:spChg chg="add mod">
+          <ac:chgData name="Sahil Khan" userId="ab0ca60d3e11cd5c" providerId="LiveId" clId="{5040A991-7A5D-4777-ACC4-EC5D38DE22A4}" dt="2023-10-14T00:24:24.010" v="611" actId="1038"/>
+          <ac:spMkLst>
+            <pc:docMk/>
+            <pc:sldMk cId="1382838429" sldId="260"/>
+            <ac:spMk id="16" creationId="{45204B95-EE93-C609-A5A8-C0BC09CD7C4C}"/>
+          </ac:spMkLst>
+        </pc:spChg>
+        <pc:spChg chg="add mod">
+          <ac:chgData name="Sahil Khan" userId="ab0ca60d3e11cd5c" providerId="LiveId" clId="{5040A991-7A5D-4777-ACC4-EC5D38DE22A4}" dt="2023-10-14T00:24:06.622" v="605" actId="1036"/>
+          <ac:spMkLst>
+            <pc:docMk/>
+            <pc:sldMk cId="1382838429" sldId="260"/>
+            <ac:spMk id="17" creationId="{39C8BC0B-9FD1-FFBC-CAB6-1E49107AA8A8}"/>
+          </ac:spMkLst>
+        </pc:spChg>
+        <pc:spChg chg="add del mod">
+          <ac:chgData name="Sahil Khan" userId="ab0ca60d3e11cd5c" providerId="LiveId" clId="{5040A991-7A5D-4777-ACC4-EC5D38DE22A4}" dt="2023-10-14T00:23:20.784" v="587" actId="478"/>
+          <ac:spMkLst>
+            <pc:docMk/>
+            <pc:sldMk cId="1382838429" sldId="260"/>
+            <ac:spMk id="19" creationId="{CA23CC5A-C2CF-F665-5F95-A873E02E1735}"/>
+          </ac:spMkLst>
+        </pc:spChg>
+        <pc:spChg chg="add mod">
+          <ac:chgData name="Sahil Khan" userId="ab0ca60d3e11cd5c" providerId="LiveId" clId="{5040A991-7A5D-4777-ACC4-EC5D38DE22A4}" dt="2023-10-14T00:23:16.730" v="586" actId="1035"/>
+          <ac:spMkLst>
+            <pc:docMk/>
+            <pc:sldMk cId="1382838429" sldId="260"/>
+            <ac:spMk id="40" creationId="{04726BBB-E640-E1B9-8A45-48C7296B7832}"/>
+          </ac:spMkLst>
+        </pc:spChg>
+        <pc:spChg chg="add mod">
+          <ac:chgData name="Sahil Khan" userId="ab0ca60d3e11cd5c" providerId="LiveId" clId="{5040A991-7A5D-4777-ACC4-EC5D38DE22A4}" dt="2023-10-14T00:23:16.730" v="586" actId="1035"/>
+          <ac:spMkLst>
+            <pc:docMk/>
+            <pc:sldMk cId="1382838429" sldId="260"/>
+            <ac:spMk id="41" creationId="{23B12581-B968-BDF7-A0D4-B0733F039F51}"/>
+          </ac:spMkLst>
+        </pc:spChg>
+        <pc:spChg chg="add mod">
+          <ac:chgData name="Sahil Khan" userId="ab0ca60d3e11cd5c" providerId="LiveId" clId="{5040A991-7A5D-4777-ACC4-EC5D38DE22A4}" dt="2023-10-14T00:23:16.730" v="586" actId="1035"/>
+          <ac:spMkLst>
+            <pc:docMk/>
+            <pc:sldMk cId="1382838429" sldId="260"/>
+            <ac:spMk id="42" creationId="{1C94FDC2-CFE2-7F95-525A-E84F1C452733}"/>
+          </ac:spMkLst>
+        </pc:spChg>
+        <pc:cxnChg chg="add mod">
+          <ac:chgData name="Sahil Khan" userId="ab0ca60d3e11cd5c" providerId="LiveId" clId="{5040A991-7A5D-4777-ACC4-EC5D38DE22A4}" dt="2023-10-14T00:23:22.896" v="588" actId="478"/>
+          <ac:cxnSpMkLst>
+            <pc:docMk/>
+            <pc:sldMk cId="1382838429" sldId="260"/>
+            <ac:cxnSpMk id="12" creationId="{536BED3B-69E0-271A-2799-C2C51E748C04}"/>
+          </ac:cxnSpMkLst>
+        </pc:cxnChg>
+        <pc:cxnChg chg="add mod">
+          <ac:chgData name="Sahil Khan" userId="ab0ca60d3e11cd5c" providerId="LiveId" clId="{5040A991-7A5D-4777-ACC4-EC5D38DE22A4}" dt="2023-10-14T00:23:25.174" v="589" actId="478"/>
+          <ac:cxnSpMkLst>
+            <pc:docMk/>
+            <pc:sldMk cId="1382838429" sldId="260"/>
+            <ac:cxnSpMk id="14" creationId="{D3946560-8D69-EDB5-587F-F1D77AF1399A}"/>
+          </ac:cxnSpMkLst>
+        </pc:cxnChg>
+        <pc:cxnChg chg="add del mod">
+          <ac:chgData name="Sahil Khan" userId="ab0ca60d3e11cd5c" providerId="LiveId" clId="{5040A991-7A5D-4777-ACC4-EC5D38DE22A4}" dt="2023-10-13T19:48:28.963" v="234" actId="478"/>
+          <ac:cxnSpMkLst>
+            <pc:docMk/>
+            <pc:sldMk cId="1382838429" sldId="260"/>
+            <ac:cxnSpMk id="21" creationId="{B0659384-B015-0BF0-8CB9-85FC4949E272}"/>
+          </ac:cxnSpMkLst>
+        </pc:cxnChg>
+        <pc:cxnChg chg="add mod">
+          <ac:chgData name="Sahil Khan" userId="ab0ca60d3e11cd5c" providerId="LiveId" clId="{5040A991-7A5D-4777-ACC4-EC5D38DE22A4}" dt="2023-10-14T00:24:12.310" v="606" actId="14100"/>
+          <ac:cxnSpMkLst>
+            <pc:docMk/>
+            <pc:sldMk cId="1382838429" sldId="260"/>
+            <ac:cxnSpMk id="23" creationId="{DBFEB984-EB65-3A14-E972-B10FC2C7A387}"/>
+          </ac:cxnSpMkLst>
+        </pc:cxnChg>
+        <pc:cxnChg chg="add mod">
+          <ac:chgData name="Sahil Khan" userId="ab0ca60d3e11cd5c" providerId="LiveId" clId="{5040A991-7A5D-4777-ACC4-EC5D38DE22A4}" dt="2023-10-14T00:24:18.169" v="607" actId="14100"/>
+          <ac:cxnSpMkLst>
+            <pc:docMk/>
+            <pc:sldMk cId="1382838429" sldId="260"/>
+            <ac:cxnSpMk id="25" creationId="{6BCA5AB2-B79E-2FAD-BF56-C8094E1EB1B4}"/>
+          </ac:cxnSpMkLst>
+        </pc:cxnChg>
+      </pc:sldChg>
+      <pc:sldChg chg="addSp delSp modSp new mod">
+        <pc:chgData name="Sahil Khan" userId="ab0ca60d3e11cd5c" providerId="LiveId" clId="{5040A991-7A5D-4777-ACC4-EC5D38DE22A4}" dt="2023-10-13T19:59:11.567" v="471" actId="1076"/>
+        <pc:sldMkLst>
+          <pc:docMk/>
+          <pc:sldMk cId="3001501306" sldId="261"/>
+        </pc:sldMkLst>
+        <pc:spChg chg="del">
+          <ac:chgData name="Sahil Khan" userId="ab0ca60d3e11cd5c" providerId="LiveId" clId="{5040A991-7A5D-4777-ACC4-EC5D38DE22A4}" dt="2023-10-13T19:53:42.551" v="436" actId="478"/>
+          <ac:spMkLst>
+            <pc:docMk/>
+            <pc:sldMk cId="3001501306" sldId="261"/>
+            <ac:spMk id="2" creationId="{61D8D7D7-389C-59CB-E835-C916B308F876}"/>
+          </ac:spMkLst>
+        </pc:spChg>
+        <pc:spChg chg="del">
+          <ac:chgData name="Sahil Khan" userId="ab0ca60d3e11cd5c" providerId="LiveId" clId="{5040A991-7A5D-4777-ACC4-EC5D38DE22A4}" dt="2023-10-13T19:53:42.551" v="436" actId="478"/>
+          <ac:spMkLst>
+            <pc:docMk/>
+            <pc:sldMk cId="3001501306" sldId="261"/>
+            <ac:spMk id="3" creationId="{4911A351-A58D-4EC0-1EEA-B1562266A4C6}"/>
+          </ac:spMkLst>
+        </pc:spChg>
+        <pc:spChg chg="add mod">
+          <ac:chgData name="Sahil Khan" userId="ab0ca60d3e11cd5c" providerId="LiveId" clId="{5040A991-7A5D-4777-ACC4-EC5D38DE22A4}" dt="2023-10-13T19:53:43.318" v="437"/>
+          <ac:spMkLst>
+            <pc:docMk/>
+            <pc:sldMk cId="3001501306" sldId="261"/>
+            <ac:spMk id="4" creationId="{9BC1A3CA-EBEF-45E0-7E3C-084A9F55ED5A}"/>
+          </ac:spMkLst>
+        </pc:spChg>
+        <pc:spChg chg="add mod">
+          <ac:chgData name="Sahil Khan" userId="ab0ca60d3e11cd5c" providerId="LiveId" clId="{5040A991-7A5D-4777-ACC4-EC5D38DE22A4}" dt="2023-10-13T19:53:43.318" v="437"/>
+          <ac:spMkLst>
+            <pc:docMk/>
+            <pc:sldMk cId="3001501306" sldId="261"/>
+            <ac:spMk id="5" creationId="{FBEB36BB-5195-8B85-CA18-E51F832B78E0}"/>
+          </ac:spMkLst>
+        </pc:spChg>
+        <pc:spChg chg="add mod">
+          <ac:chgData name="Sahil Khan" userId="ab0ca60d3e11cd5c" providerId="LiveId" clId="{5040A991-7A5D-4777-ACC4-EC5D38DE22A4}" dt="2023-10-13T19:54:21.062" v="442" actId="113"/>
+          <ac:spMkLst>
+            <pc:docMk/>
+            <pc:sldMk cId="3001501306" sldId="261"/>
+            <ac:spMk id="6" creationId="{994C1C42-DC05-0648-7DCC-54EF99667983}"/>
+          </ac:spMkLst>
+        </pc:spChg>
+        <pc:spChg chg="add mod">
+          <ac:chgData name="Sahil Khan" userId="ab0ca60d3e11cd5c" providerId="LiveId" clId="{5040A991-7A5D-4777-ACC4-EC5D38DE22A4}" dt="2023-10-13T19:56:47.216" v="450" actId="113"/>
+          <ac:spMkLst>
+            <pc:docMk/>
+            <pc:sldMk cId="3001501306" sldId="261"/>
+            <ac:spMk id="7" creationId="{16D3701D-AD36-36FA-18F2-2441167B7449}"/>
+          </ac:spMkLst>
+        </pc:spChg>
+        <pc:spChg chg="add mod">
+          <ac:chgData name="Sahil Khan" userId="ab0ca60d3e11cd5c" providerId="LiveId" clId="{5040A991-7A5D-4777-ACC4-EC5D38DE22A4}" dt="2023-10-13T19:58:07.550" v="462" actId="1076"/>
+          <ac:spMkLst>
+            <pc:docMk/>
+            <pc:sldMk cId="3001501306" sldId="261"/>
+            <ac:spMk id="8" creationId="{487D215F-4F12-1125-22A6-FBE69E77CDF7}"/>
+          </ac:spMkLst>
+        </pc:spChg>
+        <pc:spChg chg="add mod">
+          <ac:chgData name="Sahil Khan" userId="ab0ca60d3e11cd5c" providerId="LiveId" clId="{5040A991-7A5D-4777-ACC4-EC5D38DE22A4}" dt="2023-10-13T19:59:11.567" v="471" actId="1076"/>
+          <ac:spMkLst>
+            <pc:docMk/>
+            <pc:sldMk cId="3001501306" sldId="261"/>
+            <ac:spMk id="10" creationId="{935CC519-AF89-1896-8448-DBBEE612BD6F}"/>
+          </ac:spMkLst>
+        </pc:spChg>
+      </pc:sldChg>
+      <pc:sldChg chg="addSp delSp modSp new mod">
+        <pc:chgData name="Sahil Khan" userId="ab0ca60d3e11cd5c" providerId="LiveId" clId="{5040A991-7A5D-4777-ACC4-EC5D38DE22A4}" dt="2023-10-13T20:03:06.099" v="487" actId="20577"/>
+        <pc:sldMkLst>
+          <pc:docMk/>
+          <pc:sldMk cId="2782923575" sldId="262"/>
+        </pc:sldMkLst>
+        <pc:spChg chg="del">
+          <ac:chgData name="Sahil Khan" userId="ab0ca60d3e11cd5c" providerId="LiveId" clId="{5040A991-7A5D-4777-ACC4-EC5D38DE22A4}" dt="2023-10-13T19:59:51.343" v="475" actId="478"/>
+          <ac:spMkLst>
+            <pc:docMk/>
+            <pc:sldMk cId="2782923575" sldId="262"/>
+            <ac:spMk id="2" creationId="{06D70820-A1B2-8A11-C812-B6A5CABBDD5A}"/>
+          </ac:spMkLst>
+        </pc:spChg>
+        <pc:spChg chg="del">
+          <ac:chgData name="Sahil Khan" userId="ab0ca60d3e11cd5c" providerId="LiveId" clId="{5040A991-7A5D-4777-ACC4-EC5D38DE22A4}" dt="2023-10-13T19:59:51.343" v="475" actId="478"/>
+          <ac:spMkLst>
+            <pc:docMk/>
+            <pc:sldMk cId="2782923575" sldId="262"/>
+            <ac:spMk id="3" creationId="{6C7D5E7C-F403-B535-1CB8-053D82CC015A}"/>
+          </ac:spMkLst>
+        </pc:spChg>
+        <pc:spChg chg="add del mod">
+          <ac:chgData name="Sahil Khan" userId="ab0ca60d3e11cd5c" providerId="LiveId" clId="{5040A991-7A5D-4777-ACC4-EC5D38DE22A4}" dt="2023-10-13T19:59:50.065" v="474"/>
+          <ac:spMkLst>
+            <pc:docMk/>
+            <pc:sldMk cId="2782923575" sldId="262"/>
+            <ac:spMk id="4" creationId="{8CEE832C-79AD-46DB-9C55-2B652820AD7D}"/>
+          </ac:spMkLst>
+        </pc:spChg>
+        <pc:spChg chg="add del mod">
+          <ac:chgData name="Sahil Khan" userId="ab0ca60d3e11cd5c" providerId="LiveId" clId="{5040A991-7A5D-4777-ACC4-EC5D38DE22A4}" dt="2023-10-13T19:59:50.065" v="474"/>
+          <ac:spMkLst>
+            <pc:docMk/>
+            <pc:sldMk cId="2782923575" sldId="262"/>
+            <ac:spMk id="5" creationId="{91776CC9-024F-6709-58D7-4E1E3DAAEBFB}"/>
+          </ac:spMkLst>
+        </pc:spChg>
+        <pc:spChg chg="add del mod">
+          <ac:chgData name="Sahil Khan" userId="ab0ca60d3e11cd5c" providerId="LiveId" clId="{5040A991-7A5D-4777-ACC4-EC5D38DE22A4}" dt="2023-10-13T19:59:50.065" v="474"/>
+          <ac:spMkLst>
+            <pc:docMk/>
+            <pc:sldMk cId="2782923575" sldId="262"/>
+            <ac:spMk id="6" creationId="{9829CF47-F0F0-0E4B-FD52-1707898806FB}"/>
+          </ac:spMkLst>
+        </pc:spChg>
+        <pc:spChg chg="add del mod">
+          <ac:chgData name="Sahil Khan" userId="ab0ca60d3e11cd5c" providerId="LiveId" clId="{5040A991-7A5D-4777-ACC4-EC5D38DE22A4}" dt="2023-10-13T19:59:50.065" v="474"/>
+          <ac:spMkLst>
+            <pc:docMk/>
+            <pc:sldMk cId="2782923575" sldId="262"/>
+            <ac:spMk id="7" creationId="{571A4E96-E609-F0D2-F23D-BD429B29769F}"/>
+          </ac:spMkLst>
+        </pc:spChg>
+        <pc:spChg chg="add del mod">
+          <ac:chgData name="Sahil Khan" userId="ab0ca60d3e11cd5c" providerId="LiveId" clId="{5040A991-7A5D-4777-ACC4-EC5D38DE22A4}" dt="2023-10-13T19:59:50.065" v="474"/>
+          <ac:spMkLst>
+            <pc:docMk/>
+            <pc:sldMk cId="2782923575" sldId="262"/>
+            <ac:spMk id="8" creationId="{32F3626E-9FCC-8893-FFF2-4E4BCC42C49B}"/>
+          </ac:spMkLst>
+        </pc:spChg>
+        <pc:spChg chg="add del mod">
+          <ac:chgData name="Sahil Khan" userId="ab0ca60d3e11cd5c" providerId="LiveId" clId="{5040A991-7A5D-4777-ACC4-EC5D38DE22A4}" dt="2023-10-13T19:59:50.065" v="474"/>
+          <ac:spMkLst>
+            <pc:docMk/>
+            <pc:sldMk cId="2782923575" sldId="262"/>
+            <ac:spMk id="9" creationId="{A925624B-3900-A37B-7FF8-A4E066A8F78E}"/>
+          </ac:spMkLst>
+        </pc:spChg>
+        <pc:spChg chg="add mod">
+          <ac:chgData name="Sahil Khan" userId="ab0ca60d3e11cd5c" providerId="LiveId" clId="{5040A991-7A5D-4777-ACC4-EC5D38DE22A4}" dt="2023-10-13T19:59:52.159" v="476"/>
+          <ac:spMkLst>
+            <pc:docMk/>
+            <pc:sldMk cId="2782923575" sldId="262"/>
+            <ac:spMk id="10" creationId="{7F3428AA-B75B-10F3-0F39-727C2F717CF5}"/>
+          </ac:spMkLst>
+        </pc:spChg>
+        <pc:spChg chg="add mod">
+          <ac:chgData name="Sahil Khan" userId="ab0ca60d3e11cd5c" providerId="LiveId" clId="{5040A991-7A5D-4777-ACC4-EC5D38DE22A4}" dt="2023-10-13T20:00:57.643" v="477" actId="1076"/>
+          <ac:spMkLst>
+            <pc:docMk/>
+            <pc:sldMk cId="2782923575" sldId="262"/>
+            <ac:spMk id="11" creationId="{031734F2-3BC8-0531-70B6-CCAC49E819E9}"/>
+          </ac:spMkLst>
+        </pc:spChg>
+        <pc:spChg chg="add mod">
+          <ac:chgData name="Sahil Khan" userId="ab0ca60d3e11cd5c" providerId="LiveId" clId="{5040A991-7A5D-4777-ACC4-EC5D38DE22A4}" dt="2023-10-13T20:01:19.649" v="481" actId="20577"/>
+          <ac:spMkLst>
+            <pc:docMk/>
+            <pc:sldMk cId="2782923575" sldId="262"/>
+            <ac:spMk id="12" creationId="{BC0898D9-B53C-8A8D-7B11-4FF78B521855}"/>
+          </ac:spMkLst>
+        </pc:spChg>
+        <pc:spChg chg="add mod">
+          <ac:chgData name="Sahil Khan" userId="ab0ca60d3e11cd5c" providerId="LiveId" clId="{5040A991-7A5D-4777-ACC4-EC5D38DE22A4}" dt="2023-10-13T20:01:47.356" v="483" actId="20577"/>
+          <ac:spMkLst>
+            <pc:docMk/>
+            <pc:sldMk cId="2782923575" sldId="262"/>
+            <ac:spMk id="13" creationId="{DC148E60-5C26-3011-698E-4B706705F38E}"/>
+          </ac:spMkLst>
+        </pc:spChg>
+        <pc:spChg chg="add mod">
+          <ac:chgData name="Sahil Khan" userId="ab0ca60d3e11cd5c" providerId="LiveId" clId="{5040A991-7A5D-4777-ACC4-EC5D38DE22A4}" dt="2023-10-13T20:02:56.704" v="485" actId="20577"/>
+          <ac:spMkLst>
+            <pc:docMk/>
+            <pc:sldMk cId="2782923575" sldId="262"/>
+            <ac:spMk id="14" creationId="{9979609A-ECE4-A6D0-EF7D-7A30ADF759B8}"/>
+          </ac:spMkLst>
+        </pc:spChg>
+        <pc:spChg chg="add mod">
+          <ac:chgData name="Sahil Khan" userId="ab0ca60d3e11cd5c" providerId="LiveId" clId="{5040A991-7A5D-4777-ACC4-EC5D38DE22A4}" dt="2023-10-13T20:03:06.099" v="487" actId="20577"/>
+          <ac:spMkLst>
+            <pc:docMk/>
+            <pc:sldMk cId="2782923575" sldId="262"/>
+            <ac:spMk id="15" creationId="{FF91D9B8-04CC-A942-066E-BD34C1623BE0}"/>
+          </ac:spMkLst>
+        </pc:spChg>
+      </pc:sldChg>
+      <pc:sldChg chg="addSp delSp modSp new mod">
+        <pc:chgData name="Sahil Khan" userId="ab0ca60d3e11cd5c" providerId="LiveId" clId="{5040A991-7A5D-4777-ACC4-EC5D38DE22A4}" dt="2023-10-14T00:19:52.600" v="506" actId="478"/>
+        <pc:sldMkLst>
+          <pc:docMk/>
+          <pc:sldMk cId="437090642" sldId="263"/>
+        </pc:sldMkLst>
+        <pc:spChg chg="del">
+          <ac:chgData name="Sahil Khan" userId="ab0ca60d3e11cd5c" providerId="LiveId" clId="{5040A991-7A5D-4777-ACC4-EC5D38DE22A4}" dt="2023-10-14T00:17:35.390" v="489" actId="478"/>
+          <ac:spMkLst>
+            <pc:docMk/>
+            <pc:sldMk cId="437090642" sldId="263"/>
+            <ac:spMk id="2" creationId="{43E95F91-C3FB-4417-AA49-43B6ACD18445}"/>
+          </ac:spMkLst>
+        </pc:spChg>
+        <pc:spChg chg="del">
+          <ac:chgData name="Sahil Khan" userId="ab0ca60d3e11cd5c" providerId="LiveId" clId="{5040A991-7A5D-4777-ACC4-EC5D38DE22A4}" dt="2023-10-14T00:17:35.390" v="489" actId="478"/>
+          <ac:spMkLst>
+            <pc:docMk/>
+            <pc:sldMk cId="437090642" sldId="263"/>
+            <ac:spMk id="3" creationId="{8270977D-3F55-95FF-9925-659B3D3A995A}"/>
+          </ac:spMkLst>
+        </pc:spChg>
+        <pc:spChg chg="add mod">
+          <ac:chgData name="Sahil Khan" userId="ab0ca60d3e11cd5c" providerId="LiveId" clId="{5040A991-7A5D-4777-ACC4-EC5D38DE22A4}" dt="2023-10-14T00:17:36.653" v="490"/>
+          <ac:spMkLst>
+            <pc:docMk/>
+            <pc:sldMk cId="437090642" sldId="263"/>
+            <ac:spMk id="4" creationId="{4AB2BEAD-F221-A9E6-E99A-C19BB4BFBC60}"/>
+          </ac:spMkLst>
+        </pc:spChg>
+        <pc:spChg chg="add mod">
+          <ac:chgData name="Sahil Khan" userId="ab0ca60d3e11cd5c" providerId="LiveId" clId="{5040A991-7A5D-4777-ACC4-EC5D38DE22A4}" dt="2023-10-14T00:17:36.653" v="490"/>
+          <ac:spMkLst>
+            <pc:docMk/>
+            <pc:sldMk cId="437090642" sldId="263"/>
+            <ac:spMk id="5" creationId="{9B69F7CE-1452-AC5D-F07C-A6CFC0E4FE38}"/>
+          </ac:spMkLst>
+        </pc:spChg>
+        <pc:spChg chg="add mod">
+          <ac:chgData name="Sahil Khan" userId="ab0ca60d3e11cd5c" providerId="LiveId" clId="{5040A991-7A5D-4777-ACC4-EC5D38DE22A4}" dt="2023-10-14T00:18:18.515" v="500" actId="403"/>
+          <ac:spMkLst>
+            <pc:docMk/>
+            <pc:sldMk cId="437090642" sldId="263"/>
+            <ac:spMk id="6" creationId="{8E4EF91B-A8CF-698F-682D-8A1CADB5C866}"/>
+          </ac:spMkLst>
+        </pc:spChg>
+        <pc:spChg chg="add mod">
+          <ac:chgData name="Sahil Khan" userId="ab0ca60d3e11cd5c" providerId="LiveId" clId="{5040A991-7A5D-4777-ACC4-EC5D38DE22A4}" dt="2023-10-14T00:19:23.233" v="503"/>
+          <ac:spMkLst>
+            <pc:docMk/>
+            <pc:sldMk cId="437090642" sldId="263"/>
+            <ac:spMk id="7" creationId="{E06B9A31-DD60-B271-5F11-00647FE66CAF}"/>
+          </ac:spMkLst>
+        </pc:spChg>
+        <pc:spChg chg="add mod">
+          <ac:chgData name="Sahil Khan" userId="ab0ca60d3e11cd5c" providerId="LiveId" clId="{5040A991-7A5D-4777-ACC4-EC5D38DE22A4}" dt="2023-10-14T00:19:35.205" v="504"/>
+          <ac:spMkLst>
+            <pc:docMk/>
+            <pc:sldMk cId="437090642" sldId="263"/>
+            <ac:spMk id="8" creationId="{C6404883-5FD3-F8FA-58D7-82633EDD8718}"/>
+          </ac:spMkLst>
+        </pc:spChg>
+        <pc:spChg chg="add del mod">
+          <ac:chgData name="Sahil Khan" userId="ab0ca60d3e11cd5c" providerId="LiveId" clId="{5040A991-7A5D-4777-ACC4-EC5D38DE22A4}" dt="2023-10-14T00:19:52.600" v="506" actId="478"/>
+          <ac:spMkLst>
+            <pc:docMk/>
+            <pc:sldMk cId="437090642" sldId="263"/>
+            <ac:spMk id="9" creationId="{2F9BB390-5165-965A-A898-EF70975BDA97}"/>
+          </ac:spMkLst>
+        </pc:spChg>
+      </pc:sldChg>
+      <pc:sldChg chg="addSp delSp modSp new mod">
+        <pc:chgData name="Sahil Khan" userId="ab0ca60d3e11cd5c" providerId="LiveId" clId="{5040A991-7A5D-4777-ACC4-EC5D38DE22A4}" dt="2023-10-14T00:22:25.859" v="558" actId="1036"/>
+        <pc:sldMkLst>
+          <pc:docMk/>
+          <pc:sldMk cId="4135229010" sldId="264"/>
+        </pc:sldMkLst>
+        <pc:spChg chg="del">
+          <ac:chgData name="Sahil Khan" userId="ab0ca60d3e11cd5c" providerId="LiveId" clId="{5040A991-7A5D-4777-ACC4-EC5D38DE22A4}" dt="2023-10-14T00:20:12.088" v="508" actId="478"/>
+          <ac:spMkLst>
+            <pc:docMk/>
+            <pc:sldMk cId="4135229010" sldId="264"/>
+            <ac:spMk id="2" creationId="{0382DC7F-1307-7B3D-18B2-1A30A96573EA}"/>
+          </ac:spMkLst>
+        </pc:spChg>
+        <pc:spChg chg="del">
+          <ac:chgData name="Sahil Khan" userId="ab0ca60d3e11cd5c" providerId="LiveId" clId="{5040A991-7A5D-4777-ACC4-EC5D38DE22A4}" dt="2023-10-14T00:20:12.088" v="508" actId="478"/>
+          <ac:spMkLst>
+            <pc:docMk/>
+            <pc:sldMk cId="4135229010" sldId="264"/>
+            <ac:spMk id="3" creationId="{816167A9-7CB1-3594-91F7-B2D0FB6B5E72}"/>
+          </ac:spMkLst>
+        </pc:spChg>
+        <pc:spChg chg="add mod">
+          <ac:chgData name="Sahil Khan" userId="ab0ca60d3e11cd5c" providerId="LiveId" clId="{5040A991-7A5D-4777-ACC4-EC5D38DE22A4}" dt="2023-10-14T00:20:15.211" v="509"/>
+          <ac:spMkLst>
+            <pc:docMk/>
+            <pc:sldMk cId="4135229010" sldId="264"/>
+            <ac:spMk id="4" creationId="{29A20509-3990-B6C9-FFE5-CAEDDAAF8801}"/>
+          </ac:spMkLst>
+        </pc:spChg>
+        <pc:spChg chg="add mod">
+          <ac:chgData name="Sahil Khan" userId="ab0ca60d3e11cd5c" providerId="LiveId" clId="{5040A991-7A5D-4777-ACC4-EC5D38DE22A4}" dt="2023-10-14T00:20:15.211" v="509"/>
+          <ac:spMkLst>
+            <pc:docMk/>
+            <pc:sldMk cId="4135229010" sldId="264"/>
+            <ac:spMk id="5" creationId="{F5041BA9-5527-F3E8-F313-745E65F2C68A}"/>
+          </ac:spMkLst>
+        </pc:spChg>
+        <pc:spChg chg="add mod">
+          <ac:chgData name="Sahil Khan" userId="ab0ca60d3e11cd5c" providerId="LiveId" clId="{5040A991-7A5D-4777-ACC4-EC5D38DE22A4}" dt="2023-10-14T00:20:39.167" v="516" actId="403"/>
+          <ac:spMkLst>
+            <pc:docMk/>
+            <pc:sldMk cId="4135229010" sldId="264"/>
+            <ac:spMk id="6" creationId="{98BE5177-F276-650B-3256-31F6F042CDC5}"/>
+          </ac:spMkLst>
+        </pc:spChg>
+        <pc:spChg chg="add mod">
+          <ac:chgData name="Sahil Khan" userId="ab0ca60d3e11cd5c" providerId="LiveId" clId="{5040A991-7A5D-4777-ACC4-EC5D38DE22A4}" dt="2023-10-14T00:22:25.859" v="558" actId="1036"/>
+          <ac:spMkLst>
+            <pc:docMk/>
+            <pc:sldMk cId="4135229010" sldId="264"/>
+            <ac:spMk id="7" creationId="{FC98D804-8132-EF6C-2B67-A19BE6586083}"/>
+          </ac:spMkLst>
+        </pc:spChg>
+        <pc:spChg chg="add del mod">
+          <ac:chgData name="Sahil Khan" userId="ab0ca60d3e11cd5c" providerId="LiveId" clId="{5040A991-7A5D-4777-ACC4-EC5D38DE22A4}" dt="2023-10-14T00:21:50.970" v="532" actId="478"/>
+          <ac:spMkLst>
+            <pc:docMk/>
+            <pc:sldMk cId="4135229010" sldId="264"/>
+            <ac:spMk id="8" creationId="{FA5A4D21-5961-EA5A-FFEB-F277315DA792}"/>
+          </ac:spMkLst>
+        </pc:spChg>
+        <pc:spChg chg="add mod">
+          <ac:chgData name="Sahil Khan" userId="ab0ca60d3e11cd5c" providerId="LiveId" clId="{5040A991-7A5D-4777-ACC4-EC5D38DE22A4}" dt="2023-10-14T00:22:14.226" v="539" actId="404"/>
+          <ac:spMkLst>
+            <pc:docMk/>
+            <pc:sldMk cId="4135229010" sldId="264"/>
+            <ac:spMk id="9" creationId="{B24E4BC4-211E-D3A0-2341-0592BE1C3242}"/>
           </ac:spMkLst>
         </pc:spChg>
       </pc:sldChg>
@@ -293,7 +811,7 @@
           <a:p>
             <a:fld id="{EF7A86C1-7960-42C1-A085-6DDBEFE36447}" type="datetimeFigureOut">
               <a:rPr lang="en-IN" smtClean="0"/>
-              <a:t>12-10-2023</a:t>
+              <a:t>13-10-2023</a:t>
             </a:fld>
             <a:endParaRPr lang="en-IN"/>
           </a:p>
@@ -493,7 +1011,7 @@
           <a:p>
             <a:fld id="{EF7A86C1-7960-42C1-A085-6DDBEFE36447}" type="datetimeFigureOut">
               <a:rPr lang="en-IN" smtClean="0"/>
-              <a:t>12-10-2023</a:t>
+              <a:t>13-10-2023</a:t>
             </a:fld>
             <a:endParaRPr lang="en-IN"/>
           </a:p>
@@ -703,7 +1221,7 @@
           <a:p>
             <a:fld id="{EF7A86C1-7960-42C1-A085-6DDBEFE36447}" type="datetimeFigureOut">
               <a:rPr lang="en-IN" smtClean="0"/>
-              <a:t>12-10-2023</a:t>
+              <a:t>13-10-2023</a:t>
             </a:fld>
             <a:endParaRPr lang="en-IN"/>
           </a:p>
@@ -903,7 +1421,7 @@
           <a:p>
             <a:fld id="{EF7A86C1-7960-42C1-A085-6DDBEFE36447}" type="datetimeFigureOut">
               <a:rPr lang="en-IN" smtClean="0"/>
-              <a:t>12-10-2023</a:t>
+              <a:t>13-10-2023</a:t>
             </a:fld>
             <a:endParaRPr lang="en-IN"/>
           </a:p>
@@ -1179,7 +1697,7 @@
           <a:p>
             <a:fld id="{EF7A86C1-7960-42C1-A085-6DDBEFE36447}" type="datetimeFigureOut">
               <a:rPr lang="en-IN" smtClean="0"/>
-              <a:t>12-10-2023</a:t>
+              <a:t>13-10-2023</a:t>
             </a:fld>
             <a:endParaRPr lang="en-IN"/>
           </a:p>
@@ -1447,7 +1965,7 @@
           <a:p>
             <a:fld id="{EF7A86C1-7960-42C1-A085-6DDBEFE36447}" type="datetimeFigureOut">
               <a:rPr lang="en-IN" smtClean="0"/>
-              <a:t>12-10-2023</a:t>
+              <a:t>13-10-2023</a:t>
             </a:fld>
             <a:endParaRPr lang="en-IN"/>
           </a:p>
@@ -1862,7 +2380,7 @@
           <a:p>
             <a:fld id="{EF7A86C1-7960-42C1-A085-6DDBEFE36447}" type="datetimeFigureOut">
               <a:rPr lang="en-IN" smtClean="0"/>
-              <a:t>12-10-2023</a:t>
+              <a:t>13-10-2023</a:t>
             </a:fld>
             <a:endParaRPr lang="en-IN"/>
           </a:p>
@@ -2004,7 +2522,7 @@
           <a:p>
             <a:fld id="{EF7A86C1-7960-42C1-A085-6DDBEFE36447}" type="datetimeFigureOut">
               <a:rPr lang="en-IN" smtClean="0"/>
-              <a:t>12-10-2023</a:t>
+              <a:t>13-10-2023</a:t>
             </a:fld>
             <a:endParaRPr lang="en-IN"/>
           </a:p>
@@ -2117,7 +2635,7 @@
           <a:p>
             <a:fld id="{EF7A86C1-7960-42C1-A085-6DDBEFE36447}" type="datetimeFigureOut">
               <a:rPr lang="en-IN" smtClean="0"/>
-              <a:t>12-10-2023</a:t>
+              <a:t>13-10-2023</a:t>
             </a:fld>
             <a:endParaRPr lang="en-IN"/>
           </a:p>
@@ -2430,7 +2948,7 @@
           <a:p>
             <a:fld id="{EF7A86C1-7960-42C1-A085-6DDBEFE36447}" type="datetimeFigureOut">
               <a:rPr lang="en-IN" smtClean="0"/>
-              <a:t>12-10-2023</a:t>
+              <a:t>13-10-2023</a:t>
             </a:fld>
             <a:endParaRPr lang="en-IN"/>
           </a:p>
@@ -2719,7 +3237,7 @@
           <a:p>
             <a:fld id="{EF7A86C1-7960-42C1-A085-6DDBEFE36447}" type="datetimeFigureOut">
               <a:rPr lang="en-IN" smtClean="0"/>
-              <a:t>12-10-2023</a:t>
+              <a:t>13-10-2023</a:t>
             </a:fld>
             <a:endParaRPr lang="en-IN"/>
           </a:p>
@@ -2962,7 +3480,7 @@
           <a:p>
             <a:fld id="{EF7A86C1-7960-42C1-A085-6DDBEFE36447}" type="datetimeFigureOut">
               <a:rPr lang="en-IN" smtClean="0"/>
-              <a:t>12-10-2023</a:t>
+              <a:t>13-10-2023</a:t>
             </a:fld>
             <a:endParaRPr lang="en-IN"/>
           </a:p>
@@ -4253,7 +4771,7 @@
           <p:cNvPr id="4" name="Rectangle 3">
             <a:extLst>
               <a:ext uri="{FF2B5EF4-FFF2-40B4-BE49-F238E27FC236}">
-                <a16:creationId xmlns:a16="http://schemas.microsoft.com/office/drawing/2014/main" id="{E2A4F1AD-4D98-C353-1FB7-CFA549FA2019}"/>
+                <a16:creationId xmlns:a16="http://schemas.microsoft.com/office/drawing/2014/main" id="{5108186F-3D6A-0EAD-5393-04223D215237}"/>
               </a:ext>
             </a:extLst>
           </p:cNvPr>
@@ -4304,7 +4822,7 @@
           <p:cNvPr id="5" name="Rectangle 4">
             <a:extLst>
               <a:ext uri="{FF2B5EF4-FFF2-40B4-BE49-F238E27FC236}">
-                <a16:creationId xmlns:a16="http://schemas.microsoft.com/office/drawing/2014/main" id="{EFB981A6-3667-6940-D8E7-D82A28D9424E}"/>
+                <a16:creationId xmlns:a16="http://schemas.microsoft.com/office/drawing/2014/main" id="{1F877B65-4A6F-F704-2C3B-AB7F03C2E766}"/>
               </a:ext>
             </a:extLst>
           </p:cNvPr>
@@ -4360,7 +4878,7 @@
           <p:cNvPr id="6" name="Title 1">
             <a:extLst>
               <a:ext uri="{FF2B5EF4-FFF2-40B4-BE49-F238E27FC236}">
-                <a16:creationId xmlns:a16="http://schemas.microsoft.com/office/drawing/2014/main" id="{50722F72-03A3-7239-DAAD-7F8F39C6E6E2}"/>
+                <a16:creationId xmlns:a16="http://schemas.microsoft.com/office/drawing/2014/main" id="{EE997247-92F3-7F17-B840-E2589B7D46EF}"/>
               </a:ext>
             </a:extLst>
           </p:cNvPr>
@@ -4473,10 +4991,10 @@
       </p:sp>
       <p:sp>
         <p:nvSpPr>
-          <p:cNvPr id="7" name="TextBox 6">
-            <a:extLst>
-              <a:ext uri="{FF2B5EF4-FFF2-40B4-BE49-F238E27FC236}">
-                <a16:creationId xmlns:a16="http://schemas.microsoft.com/office/drawing/2014/main" id="{C7CCD3AF-74F2-8E40-5F9F-10E40CEC43C8}"/>
+          <p:cNvPr id="8" name="TextBox 7">
+            <a:extLst>
+              <a:ext uri="{FF2B5EF4-FFF2-40B4-BE49-F238E27FC236}">
+                <a16:creationId xmlns:a16="http://schemas.microsoft.com/office/drawing/2014/main" id="{3FB6DDA1-2691-2D8E-5E49-2B19B95DE949}"/>
               </a:ext>
             </a:extLst>
           </p:cNvPr>
@@ -4485,13 +5003,148 @@
         </p:nvSpPr>
         <p:spPr>
           <a:xfrm>
-            <a:off x="2316320" y="2152499"/>
-            <a:ext cx="9076358" cy="8494633"/>
+            <a:off x="5098732" y="1697217"/>
+            <a:ext cx="3431452" cy="369332"/>
           </a:xfrm>
           <a:prstGeom prst="rect">
             <a:avLst/>
           </a:prstGeom>
           <a:noFill/>
+          <a:ln w="12700">
+            <a:solidFill>
+              <a:schemeClr val="tx1"/>
+            </a:solidFill>
+          </a:ln>
+        </p:spPr>
+        <p:txBody>
+          <a:bodyPr wrap="none" rtlCol="0">
+            <a:spAutoFit/>
+          </a:bodyPr>
+          <a:lstStyle/>
+          <a:p>
+            <a:r>
+              <a:rPr lang="en-IN" dirty="0"/>
+              <a:t>AUTOMATIC ATTENDANCE SYSTEM</a:t>
+            </a:r>
+          </a:p>
+        </p:txBody>
+      </p:sp>
+      <p:cxnSp>
+        <p:nvCxnSpPr>
+          <p:cNvPr id="12" name="Connector: Elbow 11">
+            <a:extLst>
+              <a:ext uri="{FF2B5EF4-FFF2-40B4-BE49-F238E27FC236}">
+                <a16:creationId xmlns:a16="http://schemas.microsoft.com/office/drawing/2014/main" id="{536BED3B-69E0-271A-2799-C2C51E748C04}"/>
+              </a:ext>
+            </a:extLst>
+          </p:cNvPr>
+          <p:cNvCxnSpPr>
+            <a:cxnSpLocks/>
+            <a:stCxn id="8" idx="2"/>
+          </p:cNvCxnSpPr>
+          <p:nvPr/>
+        </p:nvCxnSpPr>
+        <p:spPr>
+          <a:xfrm rot="5400000">
+            <a:off x="4803224" y="610585"/>
+            <a:ext cx="555270" cy="3467199"/>
+          </a:xfrm>
+          <a:prstGeom prst="bentConnector3">
+            <a:avLst/>
+          </a:prstGeom>
+          <a:ln w="28575">
+            <a:solidFill>
+              <a:schemeClr val="tx1"/>
+            </a:solidFill>
+            <a:tailEnd type="triangle"/>
+          </a:ln>
+        </p:spPr>
+        <p:style>
+          <a:lnRef idx="1">
+            <a:schemeClr val="accent1"/>
+          </a:lnRef>
+          <a:fillRef idx="0">
+            <a:schemeClr val="accent1"/>
+          </a:fillRef>
+          <a:effectRef idx="0">
+            <a:schemeClr val="accent1"/>
+          </a:effectRef>
+          <a:fontRef idx="minor">
+            <a:schemeClr val="tx1"/>
+          </a:fontRef>
+        </p:style>
+      </p:cxnSp>
+      <p:cxnSp>
+        <p:nvCxnSpPr>
+          <p:cNvPr id="14" name="Connector: Elbow 13">
+            <a:extLst>
+              <a:ext uri="{FF2B5EF4-FFF2-40B4-BE49-F238E27FC236}">
+                <a16:creationId xmlns:a16="http://schemas.microsoft.com/office/drawing/2014/main" id="{D3946560-8D69-EDB5-587F-F1D77AF1399A}"/>
+              </a:ext>
+            </a:extLst>
+          </p:cNvPr>
+          <p:cNvCxnSpPr>
+            <a:cxnSpLocks/>
+            <a:stCxn id="8" idx="2"/>
+          </p:cNvCxnSpPr>
+          <p:nvPr/>
+        </p:nvCxnSpPr>
+        <p:spPr>
+          <a:xfrm rot="16200000" flipH="1">
+            <a:off x="8393638" y="487369"/>
+            <a:ext cx="555270" cy="3713630"/>
+          </a:xfrm>
+          <a:prstGeom prst="bentConnector3">
+            <a:avLst/>
+          </a:prstGeom>
+          <a:ln w="28575">
+            <a:solidFill>
+              <a:schemeClr val="tx1"/>
+            </a:solidFill>
+            <a:tailEnd type="triangle"/>
+          </a:ln>
+        </p:spPr>
+        <p:style>
+          <a:lnRef idx="1">
+            <a:schemeClr val="accent1"/>
+          </a:lnRef>
+          <a:fillRef idx="0">
+            <a:schemeClr val="accent1"/>
+          </a:fillRef>
+          <a:effectRef idx="0">
+            <a:schemeClr val="accent1"/>
+          </a:effectRef>
+          <a:fontRef idx="minor">
+            <a:schemeClr val="tx1"/>
+          </a:fontRef>
+        </p:style>
+      </p:cxnSp>
+      <p:sp>
+        <p:nvSpPr>
+          <p:cNvPr id="16" name="TextBox 15">
+            <a:extLst>
+              <a:ext uri="{FF2B5EF4-FFF2-40B4-BE49-F238E27FC236}">
+                <a16:creationId xmlns:a16="http://schemas.microsoft.com/office/drawing/2014/main" id="{45204B95-EE93-C609-A5A8-C0BC09CD7C4C}"/>
+              </a:ext>
+            </a:extLst>
+          </p:cNvPr>
+          <p:cNvSpPr txBox="1"/>
+          <p:nvPr/>
+        </p:nvSpPr>
+        <p:spPr>
+          <a:xfrm>
+            <a:off x="1976514" y="3258079"/>
+            <a:ext cx="4676214" cy="3400931"/>
+          </a:xfrm>
+          <a:prstGeom prst="rect">
+            <a:avLst/>
+          </a:prstGeom>
+          <a:noFill/>
+          <a:ln w="28575">
+            <a:solidFill>
+              <a:schemeClr val="tx1"/>
+            </a:solidFill>
+          </a:ln>
         </p:spPr>
         <p:txBody>
           <a:bodyPr wrap="square" rtlCol="0">
@@ -4499,240 +5152,1995 @@
           </a:bodyPr>
           <a:lstStyle/>
           <a:p>
-            <a:r>
-              <a:rPr lang="en-US" sz="1400" dirty="0"/>
-              <a:t>Application</a:t>
-            </a:r>
-          </a:p>
-          <a:p>
-            <a:r>
-              <a:rPr lang="en-US" sz="1400" dirty="0"/>
+            <a:pPr marL="285750" indent="-285750">
+              <a:buFont typeface="Arial" panose="020B0604020202020204" pitchFamily="34" charset="0"/>
+              <a:buChar char="•"/>
+            </a:pPr>
+            <a:r>
+              <a:rPr lang="en-IN" dirty="0"/>
+              <a:t>HOMEPAGE</a:t>
+            </a:r>
+          </a:p>
+          <a:p>
+            <a:pPr marL="742950" lvl="1" indent="-285750">
+              <a:buFont typeface="Arial" panose="020B0604020202020204" pitchFamily="34" charset="0"/>
+              <a:buChar char="•"/>
+            </a:pPr>
+            <a:r>
+              <a:rPr lang="en-US" sz="1100" dirty="0"/>
+              <a:t>Header: Title, Navigation links</a:t>
+            </a:r>
+          </a:p>
+          <a:p>
+            <a:pPr marL="742950" lvl="1" indent="-285750">
+              <a:buFont typeface="Arial" panose="020B0604020202020204" pitchFamily="34" charset="0"/>
+              <a:buChar char="•"/>
+            </a:pPr>
+            <a:r>
+              <a:rPr lang="en-US" sz="1100" dirty="0"/>
+              <a:t>Body: Introduction and overview</a:t>
+            </a:r>
+          </a:p>
+          <a:p>
+            <a:pPr marL="742950" lvl="1" indent="-285750">
+              <a:buFont typeface="Arial" panose="020B0604020202020204" pitchFamily="34" charset="0"/>
+              <a:buChar char="•"/>
+            </a:pPr>
+            <a:r>
+              <a:rPr lang="en-US" sz="1100" dirty="0"/>
+              <a:t>Call to action button: "Start Attendance"</a:t>
+            </a:r>
+            <a:endParaRPr lang="en-IN" sz="1100" dirty="0"/>
+          </a:p>
+          <a:p>
+            <a:pPr marL="285750" indent="-285750">
+              <a:buFont typeface="Arial" panose="020B0604020202020204" pitchFamily="34" charset="0"/>
+              <a:buChar char="•"/>
+            </a:pPr>
+            <a:r>
+              <a:rPr lang="en-IN" dirty="0"/>
+              <a:t>START ATTENDANCE PAGE</a:t>
+            </a:r>
+          </a:p>
+          <a:p>
+            <a:pPr marL="742950" lvl="1" indent="-285750">
+              <a:buFont typeface="Arial" panose="020B0604020202020204" pitchFamily="34" charset="0"/>
+              <a:buChar char="•"/>
+            </a:pPr>
+            <a:r>
+              <a:rPr lang="en-US" sz="1100" dirty="0"/>
+              <a:t>Header: Title, Navigation links</a:t>
+            </a:r>
+          </a:p>
+          <a:p>
+            <a:pPr marL="742950" lvl="1" indent="-285750">
+              <a:buFont typeface="Arial" panose="020B0604020202020204" pitchFamily="34" charset="0"/>
+              <a:buChar char="•"/>
+            </a:pPr>
+            <a:r>
+              <a:rPr lang="en-US" sz="1100" dirty="0"/>
+              <a:t>Body: Instructions to start attendance</a:t>
+            </a:r>
+          </a:p>
+          <a:p>
+            <a:pPr marL="742950" lvl="1" indent="-285750">
+              <a:buFont typeface="Arial" panose="020B0604020202020204" pitchFamily="34" charset="0"/>
+              <a:buChar char="•"/>
+            </a:pPr>
+            <a:r>
+              <a:rPr lang="en-US" sz="1100" dirty="0"/>
+              <a:t>Footer: Buttons for initiating attendance and canceling</a:t>
+            </a:r>
+            <a:endParaRPr lang="en-IN" sz="1100" dirty="0"/>
+          </a:p>
+          <a:p>
+            <a:pPr marL="285750" indent="-285750">
+              <a:buFont typeface="Arial" panose="020B0604020202020204" pitchFamily="34" charset="0"/>
+              <a:buChar char="•"/>
+            </a:pPr>
+            <a:r>
+              <a:rPr lang="en-IN" dirty="0"/>
+              <a:t>ATTENDANCE SUMMARY PAGE</a:t>
+            </a:r>
+          </a:p>
+          <a:p>
+            <a:pPr marL="742950" lvl="1" indent="-285750">
+              <a:buFont typeface="Arial" panose="020B0604020202020204" pitchFamily="34" charset="0"/>
+              <a:buChar char="•"/>
+            </a:pPr>
+            <a:r>
+              <a:rPr lang="en-US" sz="1100" dirty="0"/>
+              <a:t>Header: Title, Navigation links</a:t>
+            </a:r>
+          </a:p>
+          <a:p>
+            <a:pPr marL="742950" lvl="1" indent="-285750">
+              <a:buFont typeface="Arial" panose="020B0604020202020204" pitchFamily="34" charset="0"/>
+              <a:buChar char="•"/>
+            </a:pPr>
+            <a:r>
+              <a:rPr lang="en-US" sz="1100" dirty="0"/>
+              <a:t>Body: Display of attendance summary in a table format</a:t>
+            </a:r>
+          </a:p>
+          <a:p>
+            <a:pPr marL="742950" lvl="1" indent="-285750">
+              <a:buFont typeface="Arial" panose="020B0604020202020204" pitchFamily="34" charset="0"/>
+              <a:buChar char="•"/>
+            </a:pPr>
+            <a:r>
+              <a:rPr lang="en-US" sz="1100" dirty="0"/>
+              <a:t>Footer: Buttons to download the attendance report and return to homepage</a:t>
+            </a:r>
+            <a:endParaRPr lang="en-IN" sz="1100" dirty="0"/>
+          </a:p>
+          <a:p>
+            <a:pPr marL="285750" indent="-285750">
+              <a:buFont typeface="Arial" panose="020B0604020202020204" pitchFamily="34" charset="0"/>
+              <a:buChar char="•"/>
+            </a:pPr>
+            <a:r>
+              <a:rPr lang="en-IN" dirty="0"/>
+              <a:t>ABOUT PAGE</a:t>
+            </a:r>
+          </a:p>
+          <a:p>
+            <a:pPr marL="742950" lvl="1" indent="-285750">
+              <a:buFont typeface="Arial" panose="020B0604020202020204" pitchFamily="34" charset="0"/>
+              <a:buChar char="•"/>
+            </a:pPr>
+            <a:r>
+              <a:rPr lang="en-US" sz="1100" dirty="0"/>
+              <a:t>Header: Title, Navigation links</a:t>
+            </a:r>
+          </a:p>
+          <a:p>
+            <a:pPr marL="742950" lvl="1" indent="-285750">
+              <a:buFont typeface="Arial" panose="020B0604020202020204" pitchFamily="34" charset="0"/>
+              <a:buChar char="•"/>
+            </a:pPr>
+            <a:r>
+              <a:rPr lang="en-US" sz="1100" dirty="0"/>
+              <a:t>Body: Information about the project and team</a:t>
+            </a:r>
+          </a:p>
+          <a:p>
+            <a:pPr marL="742950" lvl="1" indent="-285750">
+              <a:buFont typeface="Arial" panose="020B0604020202020204" pitchFamily="34" charset="0"/>
+              <a:buChar char="•"/>
+            </a:pPr>
+            <a:r>
+              <a:rPr lang="en-US" sz="1100" dirty="0"/>
+              <a:t>Footer: Return to homepage link</a:t>
+            </a:r>
+            <a:endParaRPr lang="en-IN" sz="1100" dirty="0"/>
+          </a:p>
+        </p:txBody>
+      </p:sp>
+      <p:sp>
+        <p:nvSpPr>
+          <p:cNvPr id="17" name="TextBox 16">
+            <a:extLst>
+              <a:ext uri="{FF2B5EF4-FFF2-40B4-BE49-F238E27FC236}">
+                <a16:creationId xmlns:a16="http://schemas.microsoft.com/office/drawing/2014/main" id="{39C8BC0B-9FD1-FFBC-CAB6-1E49107AA8A8}"/>
+              </a:ext>
+            </a:extLst>
+          </p:cNvPr>
+          <p:cNvSpPr txBox="1"/>
+          <p:nvPr/>
+        </p:nvSpPr>
+        <p:spPr>
+          <a:xfrm>
+            <a:off x="7191295" y="3537364"/>
+            <a:ext cx="4905767" cy="2585323"/>
+          </a:xfrm>
+          <a:prstGeom prst="rect">
+            <a:avLst/>
+          </a:prstGeom>
+          <a:noFill/>
+          <a:ln w="28575">
+            <a:solidFill>
+              <a:schemeClr val="tx1"/>
+            </a:solidFill>
+          </a:ln>
+        </p:spPr>
+        <p:txBody>
+          <a:bodyPr wrap="none" rtlCol="0">
+            <a:spAutoFit/>
+          </a:bodyPr>
+          <a:lstStyle/>
+          <a:p>
+            <a:pPr marL="285750" indent="-285750">
+              <a:buFont typeface="Arial" panose="020B0604020202020204" pitchFamily="34" charset="0"/>
+              <a:buChar char="•"/>
+            </a:pPr>
+            <a:r>
+              <a:rPr lang="en-IN" dirty="0"/>
+              <a:t>APIs</a:t>
+            </a:r>
+          </a:p>
+          <a:p>
+            <a:pPr marL="742950" lvl="1" indent="-285750">
+              <a:buFont typeface="Arial" panose="020B0604020202020204" pitchFamily="34" charset="0"/>
+              <a:buChar char="•"/>
+            </a:pPr>
+            <a:r>
+              <a:rPr lang="en-US" sz="1200" dirty="0"/>
+              <a:t>Endpoints for handling attendance data.</a:t>
+            </a:r>
+          </a:p>
+          <a:p>
+            <a:pPr marL="742950" lvl="1" indent="-285750">
+              <a:buFont typeface="Arial" panose="020B0604020202020204" pitchFamily="34" charset="0"/>
+              <a:buChar char="•"/>
+            </a:pPr>
+            <a:r>
+              <a:rPr lang="en-US" sz="1200" dirty="0"/>
+              <a:t>User interactions.</a:t>
+            </a:r>
+          </a:p>
+          <a:p>
+            <a:pPr marL="742950" lvl="1" indent="-285750">
+              <a:buFont typeface="Arial" panose="020B0604020202020204" pitchFamily="34" charset="0"/>
+              <a:buChar char="•"/>
+            </a:pPr>
+            <a:r>
+              <a:rPr lang="en-US" sz="1200" dirty="0"/>
+              <a:t>Interfacing with the frontend.</a:t>
+            </a:r>
+            <a:endParaRPr lang="en-IN" sz="1200" dirty="0"/>
+          </a:p>
+          <a:p>
+            <a:pPr marL="285750" indent="-285750">
+              <a:buFont typeface="Arial" panose="020B0604020202020204" pitchFamily="34" charset="0"/>
+              <a:buChar char="•"/>
+            </a:pPr>
+            <a:r>
+              <a:rPr lang="en-IN" dirty="0"/>
+              <a:t>OPENCV INTEGRATION</a:t>
+            </a:r>
+          </a:p>
+          <a:p>
+            <a:pPr marL="742950" lvl="1" indent="-285750">
+              <a:buFont typeface="Arial" panose="020B0604020202020204" pitchFamily="34" charset="0"/>
+              <a:buChar char="•"/>
+            </a:pPr>
+            <a:r>
+              <a:rPr lang="en-US" sz="1200" dirty="0"/>
+              <a:t>Integration with OpenCV for facial recognition, </a:t>
+            </a:r>
+          </a:p>
+          <a:p>
+            <a:pPr marL="742950" lvl="1" indent="-285750">
+              <a:buFont typeface="Arial" panose="020B0604020202020204" pitchFamily="34" charset="0"/>
+              <a:buChar char="•"/>
+            </a:pPr>
+            <a:r>
+              <a:rPr lang="en-US" sz="1200" dirty="0"/>
+              <a:t>Emotion Detection</a:t>
+            </a:r>
+          </a:p>
+          <a:p>
+            <a:pPr marL="742950" lvl="1" indent="-285750">
+              <a:buFont typeface="Arial" panose="020B0604020202020204" pitchFamily="34" charset="0"/>
+              <a:buChar char="•"/>
+            </a:pPr>
+            <a:r>
+              <a:rPr lang="en-US" sz="1200" dirty="0"/>
+              <a:t>Liveness Checks.</a:t>
+            </a:r>
+            <a:endParaRPr lang="en-IN" sz="1200" dirty="0"/>
+          </a:p>
+          <a:p>
+            <a:pPr marL="285750" indent="-285750">
+              <a:buFont typeface="Arial" panose="020B0604020202020204" pitchFamily="34" charset="0"/>
+              <a:buChar char="•"/>
+            </a:pPr>
+            <a:r>
+              <a:rPr lang="en-IN" dirty="0"/>
+              <a:t>DATABASE INTEGRATION</a:t>
+            </a:r>
+          </a:p>
+          <a:p>
+            <a:pPr marL="742950" lvl="1" indent="-285750">
+              <a:buFont typeface="Arial" panose="020B0604020202020204" pitchFamily="34" charset="0"/>
+              <a:buChar char="•"/>
+            </a:pPr>
+            <a:r>
+              <a:rPr lang="en-IN" sz="1200" dirty="0"/>
+              <a:t>Interacts with MongoDB for storing and retrieving</a:t>
+            </a:r>
+          </a:p>
+          <a:p>
+            <a:pPr marL="742950" lvl="1" indent="-285750">
+              <a:buFont typeface="Arial" panose="020B0604020202020204" pitchFamily="34" charset="0"/>
+              <a:buChar char="•"/>
+            </a:pPr>
+            <a:r>
+              <a:rPr lang="en-IN" sz="1200" dirty="0"/>
+              <a:t>Utilizes Python Flask for server-side rendering </a:t>
+            </a:r>
+          </a:p>
+          <a:p>
+            <a:pPr marL="742950" lvl="1" indent="-285750">
+              <a:buFont typeface="Arial" panose="020B0604020202020204" pitchFamily="34" charset="0"/>
+              <a:buChar char="•"/>
+            </a:pPr>
+            <a:r>
+              <a:rPr lang="en-IN" sz="1200" dirty="0"/>
+              <a:t>Stores attendance records and relevant data in a NoSQL format.</a:t>
+            </a:r>
+          </a:p>
+        </p:txBody>
+      </p:sp>
+      <p:cxnSp>
+        <p:nvCxnSpPr>
+          <p:cNvPr id="23" name="Connector: Elbow 22">
+            <a:extLst>
+              <a:ext uri="{FF2B5EF4-FFF2-40B4-BE49-F238E27FC236}">
+                <a16:creationId xmlns:a16="http://schemas.microsoft.com/office/drawing/2014/main" id="{DBFEB984-EB65-3A14-E972-B10FC2C7A387}"/>
+              </a:ext>
+            </a:extLst>
+          </p:cNvPr>
+          <p:cNvCxnSpPr>
+            <a:cxnSpLocks/>
+            <a:stCxn id="40" idx="2"/>
+          </p:cNvCxnSpPr>
+          <p:nvPr/>
+        </p:nvCxnSpPr>
+        <p:spPr>
+          <a:xfrm rot="16200000" flipH="1">
+            <a:off x="3157807" y="3068628"/>
+            <a:ext cx="378904" cy="1"/>
+          </a:xfrm>
+          <a:prstGeom prst="bentConnector3">
+            <a:avLst>
+              <a:gd name="adj1" fmla="val 50000"/>
+            </a:avLst>
+          </a:prstGeom>
+          <a:ln w="28575">
+            <a:solidFill>
+              <a:schemeClr val="tx1"/>
+            </a:solidFill>
+            <a:tailEnd type="triangle"/>
+          </a:ln>
+        </p:spPr>
+        <p:style>
+          <a:lnRef idx="1">
+            <a:schemeClr val="accent1"/>
+          </a:lnRef>
+          <a:fillRef idx="0">
+            <a:schemeClr val="accent1"/>
+          </a:fillRef>
+          <a:effectRef idx="0">
+            <a:schemeClr val="accent1"/>
+          </a:effectRef>
+          <a:fontRef idx="minor">
+            <a:schemeClr val="tx1"/>
+          </a:fontRef>
+        </p:style>
+      </p:cxnSp>
+      <p:cxnSp>
+        <p:nvCxnSpPr>
+          <p:cNvPr id="25" name="Connector: Elbow 24">
+            <a:extLst>
+              <a:ext uri="{FF2B5EF4-FFF2-40B4-BE49-F238E27FC236}">
+                <a16:creationId xmlns:a16="http://schemas.microsoft.com/office/drawing/2014/main" id="{6BCA5AB2-B79E-2FAD-BF56-C8094E1EB1B4}"/>
+              </a:ext>
+            </a:extLst>
+          </p:cNvPr>
+          <p:cNvCxnSpPr>
+            <a:cxnSpLocks/>
+            <a:stCxn id="41" idx="2"/>
+          </p:cNvCxnSpPr>
+          <p:nvPr/>
+        </p:nvCxnSpPr>
+        <p:spPr>
+          <a:xfrm rot="16200000" flipH="1">
+            <a:off x="10198994" y="3208270"/>
+            <a:ext cx="658189" cy="1"/>
+          </a:xfrm>
+          <a:prstGeom prst="bentConnector3">
+            <a:avLst/>
+          </a:prstGeom>
+          <a:ln w="28575">
+            <a:solidFill>
+              <a:schemeClr val="tx1"/>
+            </a:solidFill>
+            <a:tailEnd type="triangle"/>
+          </a:ln>
+        </p:spPr>
+        <p:style>
+          <a:lnRef idx="1">
+            <a:schemeClr val="accent1"/>
+          </a:lnRef>
+          <a:fillRef idx="0">
+            <a:schemeClr val="accent1"/>
+          </a:fillRef>
+          <a:effectRef idx="0">
+            <a:schemeClr val="accent1"/>
+          </a:effectRef>
+          <a:fontRef idx="minor">
+            <a:schemeClr val="tx1"/>
+          </a:fontRef>
+        </p:style>
+      </p:cxnSp>
+      <p:sp>
+        <p:nvSpPr>
+          <p:cNvPr id="40" name="TextBox 39">
+            <a:extLst>
+              <a:ext uri="{FF2B5EF4-FFF2-40B4-BE49-F238E27FC236}">
+                <a16:creationId xmlns:a16="http://schemas.microsoft.com/office/drawing/2014/main" id="{04726BBB-E640-E1B9-8A45-48C7296B7832}"/>
+              </a:ext>
+            </a:extLst>
+          </p:cNvPr>
+          <p:cNvSpPr txBox="1"/>
+          <p:nvPr/>
+        </p:nvSpPr>
+        <p:spPr>
+          <a:xfrm>
+            <a:off x="2731866" y="2509845"/>
+            <a:ext cx="1230786" cy="369332"/>
+          </a:xfrm>
+          <a:prstGeom prst="rect">
+            <a:avLst/>
+          </a:prstGeom>
+          <a:noFill/>
+          <a:ln w="12700">
+            <a:solidFill>
+              <a:schemeClr val="tx1"/>
+            </a:solidFill>
+          </a:ln>
+        </p:spPr>
+        <p:txBody>
+          <a:bodyPr wrap="none" rtlCol="0">
+            <a:spAutoFit/>
+          </a:bodyPr>
+          <a:lstStyle/>
+          <a:p>
+            <a:r>
+              <a:rPr lang="en-IN" dirty="0"/>
+              <a:t>FRONTEND</a:t>
+            </a:r>
+          </a:p>
+        </p:txBody>
+      </p:sp>
+      <p:sp>
+        <p:nvSpPr>
+          <p:cNvPr id="41" name="TextBox 40">
+            <a:extLst>
+              <a:ext uri="{FF2B5EF4-FFF2-40B4-BE49-F238E27FC236}">
+                <a16:creationId xmlns:a16="http://schemas.microsoft.com/office/drawing/2014/main" id="{23B12581-B968-BDF7-A0D4-B0733F039F51}"/>
+              </a:ext>
+            </a:extLst>
+          </p:cNvPr>
+          <p:cNvSpPr txBox="1"/>
+          <p:nvPr/>
+        </p:nvSpPr>
+        <p:spPr>
+          <a:xfrm>
+            <a:off x="9984862" y="2509845"/>
+            <a:ext cx="1086451" cy="369332"/>
+          </a:xfrm>
+          <a:prstGeom prst="rect">
+            <a:avLst/>
+          </a:prstGeom>
+          <a:noFill/>
+          <a:ln w="12700">
+            <a:solidFill>
+              <a:schemeClr val="tx1"/>
+            </a:solidFill>
+          </a:ln>
+        </p:spPr>
+        <p:txBody>
+          <a:bodyPr wrap="none" rtlCol="0">
+            <a:spAutoFit/>
+          </a:bodyPr>
+          <a:lstStyle/>
+          <a:p>
+            <a:r>
+              <a:rPr lang="en-IN" dirty="0"/>
+              <a:t>BACKEND</a:t>
+            </a:r>
+          </a:p>
+        </p:txBody>
+      </p:sp>
+      <p:sp>
+        <p:nvSpPr>
+          <p:cNvPr id="42" name="TextBox 41">
+            <a:extLst>
+              <a:ext uri="{FF2B5EF4-FFF2-40B4-BE49-F238E27FC236}">
+                <a16:creationId xmlns:a16="http://schemas.microsoft.com/office/drawing/2014/main" id="{1C94FDC2-CFE2-7F95-525A-E84F1C452733}"/>
+              </a:ext>
+            </a:extLst>
+          </p:cNvPr>
+          <p:cNvSpPr txBox="1"/>
+          <p:nvPr/>
+        </p:nvSpPr>
+        <p:spPr>
+          <a:xfrm>
+            <a:off x="5489257" y="2509845"/>
+            <a:ext cx="2650406" cy="369332"/>
+          </a:xfrm>
+          <a:prstGeom prst="rect">
+            <a:avLst/>
+          </a:prstGeom>
+          <a:noFill/>
+          <a:ln w="12700">
+            <a:solidFill>
+              <a:schemeClr val="tx1"/>
+            </a:solidFill>
+          </a:ln>
+        </p:spPr>
+        <p:txBody>
+          <a:bodyPr wrap="none" rtlCol="0">
+            <a:spAutoFit/>
+          </a:bodyPr>
+          <a:lstStyle/>
+          <a:p>
+            <a:r>
+              <a:rPr lang="en-IN" dirty="0"/>
               <a:t>Web Server (Python Flask)</a:t>
             </a:r>
-          </a:p>
-          <a:p>
-            <a:r>
-              <a:rPr lang="en-US" sz="1400" dirty="0"/>
-              <a:t>Responsible for handling HTTP requests and responses, routing, and rendering dynamic content.</a:t>
-            </a:r>
-          </a:p>
-          <a:p>
-            <a:endParaRPr lang="en-US" sz="1400" dirty="0"/>
-          </a:p>
-          <a:p>
-            <a:endParaRPr lang="en-US" sz="1400" dirty="0"/>
-          </a:p>
-          <a:p>
-            <a:r>
-              <a:rPr lang="en-US" sz="1400" dirty="0"/>
-              <a:t>Frontend (HTML, CSS)</a:t>
-            </a:r>
-          </a:p>
-          <a:p>
-            <a:r>
-              <a:rPr lang="en-US" sz="1400" dirty="0"/>
-              <a:t>Components:</a:t>
-            </a:r>
-          </a:p>
-          <a:p>
-            <a:r>
-              <a:rPr lang="en-US" sz="1400" dirty="0"/>
-              <a:t>Homepage:</a:t>
-            </a:r>
-          </a:p>
-          <a:p>
-            <a:r>
-              <a:rPr lang="en-US" sz="1400" dirty="0"/>
-              <a:t>Header: Title, Navigation links</a:t>
-            </a:r>
-          </a:p>
-          <a:p>
-            <a:r>
-              <a:rPr lang="en-US" sz="1400" dirty="0"/>
-              <a:t>Body: Introduction and overview</a:t>
-            </a:r>
-          </a:p>
-          <a:p>
-            <a:r>
-              <a:rPr lang="en-US" sz="1400" dirty="0"/>
-              <a:t>Call to action button: "Start Attendance"</a:t>
-            </a:r>
-          </a:p>
-          <a:p>
-            <a:r>
-              <a:rPr lang="en-US" sz="1400" dirty="0"/>
-              <a:t>Start Attendance Page:</a:t>
-            </a:r>
-          </a:p>
-          <a:p>
-            <a:r>
-              <a:rPr lang="en-US" sz="1400" dirty="0"/>
-              <a:t>Header: Title, Navigation links</a:t>
-            </a:r>
-          </a:p>
-          <a:p>
-            <a:r>
-              <a:rPr lang="en-US" sz="1400" dirty="0"/>
-              <a:t>Body: Instructions to start attendance, real-time camera feed display using OpenCV</a:t>
-            </a:r>
-          </a:p>
-          <a:p>
-            <a:r>
-              <a:rPr lang="en-US" sz="1400" dirty="0"/>
-              <a:t>Footer: Buttons for initiating attendance and canceling</a:t>
-            </a:r>
-          </a:p>
-          <a:p>
-            <a:r>
-              <a:rPr lang="en-US" sz="1400" dirty="0"/>
-              <a:t>Attendance Summary Page:</a:t>
-            </a:r>
-          </a:p>
-          <a:p>
-            <a:r>
-              <a:rPr lang="en-US" sz="1400" dirty="0"/>
-              <a:t>Header: Title, Navigation links</a:t>
-            </a:r>
-          </a:p>
-          <a:p>
-            <a:r>
-              <a:rPr lang="en-US" sz="1400" dirty="0"/>
-              <a:t>Body: Display of attendance summary in a table format</a:t>
-            </a:r>
-          </a:p>
-          <a:p>
-            <a:r>
-              <a:rPr lang="en-US" sz="1400" dirty="0"/>
-              <a:t>Footer: Buttons to download the attendance report and return to homepage</a:t>
-            </a:r>
-          </a:p>
-          <a:p>
-            <a:r>
-              <a:rPr lang="en-US" sz="1400" dirty="0"/>
-              <a:t>About Page:</a:t>
-            </a:r>
-          </a:p>
-          <a:p>
-            <a:r>
-              <a:rPr lang="en-US" sz="1400" dirty="0"/>
-              <a:t>Header: Title, Navigation links</a:t>
-            </a:r>
-          </a:p>
-          <a:p>
-            <a:r>
-              <a:rPr lang="en-US" sz="1400" dirty="0"/>
-              <a:t>Body: Information about the project and team</a:t>
-            </a:r>
-          </a:p>
-          <a:p>
-            <a:r>
-              <a:rPr lang="en-US" sz="1400" dirty="0"/>
-              <a:t>Footer: Return to homepage link</a:t>
-            </a:r>
-          </a:p>
-          <a:p>
-            <a:r>
-              <a:rPr lang="en-US" sz="1400" dirty="0"/>
-              <a:t>Contact Page:</a:t>
-            </a:r>
-          </a:p>
-          <a:p>
-            <a:r>
-              <a:rPr lang="en-US" sz="1400" dirty="0"/>
-              <a:t>Header: Title, Navigation links</a:t>
-            </a:r>
-          </a:p>
-          <a:p>
-            <a:r>
-              <a:rPr lang="en-US" sz="1400" dirty="0"/>
-              <a:t>Body: Contact information</a:t>
-            </a:r>
-          </a:p>
-          <a:p>
-            <a:r>
-              <a:rPr lang="en-US" sz="1400" dirty="0"/>
-              <a:t>Footer: Return to homepage link</a:t>
-            </a:r>
-          </a:p>
-          <a:p>
-            <a:r>
-              <a:rPr lang="en-US" sz="1400" dirty="0"/>
-              <a:t>Utilizes HTML5 for structuring content and CSS3 for styling.</a:t>
-            </a:r>
-          </a:p>
-          <a:p>
-            <a:r>
-              <a:rPr lang="en-US" sz="1400" dirty="0"/>
-              <a:t>Backend (Python Flask)</a:t>
-            </a:r>
-          </a:p>
-          <a:p>
-            <a:r>
-              <a:rPr lang="en-US" sz="1400" dirty="0"/>
-              <a:t>Components:</a:t>
-            </a:r>
-          </a:p>
-          <a:p>
-            <a:r>
-              <a:rPr lang="en-US" sz="1400" dirty="0"/>
-              <a:t>APIs:</a:t>
-            </a:r>
-          </a:p>
-          <a:p>
-            <a:r>
-              <a:rPr lang="en-US" sz="1400" dirty="0"/>
-              <a:t>Endpoints for handling attendance data, user interactions, and interfacing with the frontend.</a:t>
-            </a:r>
-          </a:p>
-          <a:p>
-            <a:r>
-              <a:rPr lang="en-US" sz="1400" dirty="0"/>
-              <a:t>OpenCV Integration:</a:t>
-            </a:r>
-          </a:p>
-          <a:p>
-            <a:r>
-              <a:rPr lang="en-US" sz="1400" dirty="0"/>
-              <a:t>Integration with OpenCV for facial recognition, emotion detection, and liveness checks.</a:t>
-            </a:r>
-          </a:p>
-          <a:p>
-            <a:r>
-              <a:rPr lang="en-US" sz="1400" dirty="0"/>
-              <a:t>Database Interface:</a:t>
-            </a:r>
-          </a:p>
-          <a:p>
-            <a:r>
-              <a:rPr lang="en-US" sz="1400" dirty="0"/>
-              <a:t>Interacts with MongoDB for storing and retrieving attendance records.</a:t>
-            </a:r>
-          </a:p>
-          <a:p>
-            <a:r>
-              <a:rPr lang="en-US" sz="1400" dirty="0"/>
-              <a:t>Utilizes Python Flask for server-side rendering and handling dynamic content.</a:t>
-            </a:r>
-          </a:p>
-          <a:p>
-            <a:r>
-              <a:rPr lang="en-US" sz="1400" dirty="0"/>
-              <a:t>Database (MongoDB - NoSQL)</a:t>
-            </a:r>
-          </a:p>
-          <a:p>
-            <a:r>
-              <a:rPr lang="en-US" sz="1400" dirty="0"/>
-              <a:t>Stores attendance records and relevant data in a NoSQL format, suitable for handling images and text data.</a:t>
-            </a:r>
-            <a:endParaRPr lang="en-IN" sz="1600" dirty="0"/>
           </a:p>
         </p:txBody>
       </p:sp>
     </p:spTree>
     <p:extLst>
       <p:ext uri="{BB962C8B-B14F-4D97-AF65-F5344CB8AC3E}">
-        <p14:creationId xmlns:p14="http://schemas.microsoft.com/office/powerpoint/2010/main" val="1096031608"/>
+        <p14:creationId xmlns:p14="http://schemas.microsoft.com/office/powerpoint/2010/main" val="1382838429"/>
+      </p:ext>
+    </p:extLst>
+  </p:cSld>
+  <p:clrMapOvr>
+    <a:masterClrMapping/>
+  </p:clrMapOvr>
+</p:sld>
+</file>
+
+<file path=ppt/slides/slide5.xml><?xml version="1.0" encoding="utf-8"?>
+<p:sld xmlns:a="http://schemas.openxmlformats.org/drawingml/2006/main" xmlns:r="http://schemas.openxmlformats.org/officeDocument/2006/relationships" xmlns:p="http://schemas.openxmlformats.org/presentationml/2006/main">
+  <p:cSld>
+    <p:spTree>
+      <p:nvGrpSpPr>
+        <p:cNvPr id="1" name=""/>
+        <p:cNvGrpSpPr/>
+        <p:nvPr/>
+      </p:nvGrpSpPr>
+      <p:grpSpPr>
+        <a:xfrm>
+          <a:off x="0" y="0"/>
+          <a:ext cx="0" cy="0"/>
+          <a:chOff x="0" y="0"/>
+          <a:chExt cx="0" cy="0"/>
+        </a:xfrm>
+      </p:grpSpPr>
+      <p:sp>
+        <p:nvSpPr>
+          <p:cNvPr id="4" name="Rectangle 3">
+            <a:extLst>
+              <a:ext uri="{FF2B5EF4-FFF2-40B4-BE49-F238E27FC236}">
+                <a16:creationId xmlns:a16="http://schemas.microsoft.com/office/drawing/2014/main" id="{9BC1A3CA-EBEF-45E0-7E3C-084A9F55ED5A}"/>
+              </a:ext>
+            </a:extLst>
+          </p:cNvPr>
+          <p:cNvSpPr/>
+          <p:nvPr/>
+        </p:nvSpPr>
+        <p:spPr>
+          <a:xfrm>
+            <a:off x="0" y="0"/>
+            <a:ext cx="1875453" cy="6858000"/>
+          </a:xfrm>
+          <a:prstGeom prst="rect">
+            <a:avLst/>
+          </a:prstGeom>
+          <a:solidFill>
+            <a:schemeClr val="bg2">
+              <a:lumMod val="25000"/>
+            </a:schemeClr>
+          </a:solidFill>
+        </p:spPr>
+        <p:style>
+          <a:lnRef idx="2">
+            <a:schemeClr val="accent1">
+              <a:shade val="15000"/>
+            </a:schemeClr>
+          </a:lnRef>
+          <a:fillRef idx="1">
+            <a:schemeClr val="accent1"/>
+          </a:fillRef>
+          <a:effectRef idx="0">
+            <a:schemeClr val="accent1"/>
+          </a:effectRef>
+          <a:fontRef idx="minor">
+            <a:schemeClr val="lt1"/>
+          </a:fontRef>
+        </p:style>
+        <p:txBody>
+          <a:bodyPr rtlCol="0" anchor="ctr"/>
+          <a:lstStyle/>
+          <a:p>
+            <a:pPr algn="ctr"/>
+            <a:endParaRPr lang="en-IN"/>
+          </a:p>
+        </p:txBody>
+      </p:sp>
+      <p:sp>
+        <p:nvSpPr>
+          <p:cNvPr id="5" name="Rectangle 4">
+            <a:extLst>
+              <a:ext uri="{FF2B5EF4-FFF2-40B4-BE49-F238E27FC236}">
+                <a16:creationId xmlns:a16="http://schemas.microsoft.com/office/drawing/2014/main" id="{FBEB36BB-5195-8B85-CA18-E51F832B78E0}"/>
+              </a:ext>
+            </a:extLst>
+          </p:cNvPr>
+          <p:cNvSpPr/>
+          <p:nvPr/>
+        </p:nvSpPr>
+        <p:spPr>
+          <a:xfrm>
+            <a:off x="628261" y="357673"/>
+            <a:ext cx="10699102" cy="1219200"/>
+          </a:xfrm>
+          <a:prstGeom prst="rect">
+            <a:avLst/>
+          </a:prstGeom>
+          <a:solidFill>
+            <a:schemeClr val="accent2">
+              <a:lumMod val="75000"/>
+            </a:schemeClr>
+          </a:solidFill>
+          <a:ln w="76200">
+            <a:solidFill>
+              <a:schemeClr val="bg1"/>
+            </a:solidFill>
+          </a:ln>
+        </p:spPr>
+        <p:style>
+          <a:lnRef idx="2">
+            <a:schemeClr val="accent1">
+              <a:shade val="15000"/>
+            </a:schemeClr>
+          </a:lnRef>
+          <a:fillRef idx="1">
+            <a:schemeClr val="accent1"/>
+          </a:fillRef>
+          <a:effectRef idx="0">
+            <a:schemeClr val="accent1"/>
+          </a:effectRef>
+          <a:fontRef idx="minor">
+            <a:schemeClr val="lt1"/>
+          </a:fontRef>
+        </p:style>
+        <p:txBody>
+          <a:bodyPr rtlCol="0" anchor="ctr"/>
+          <a:lstStyle/>
+          <a:p>
+            <a:pPr algn="ctr"/>
+            <a:endParaRPr lang="en-IN"/>
+          </a:p>
+        </p:txBody>
+      </p:sp>
+      <p:sp>
+        <p:nvSpPr>
+          <p:cNvPr id="6" name="Title 1">
+            <a:extLst>
+              <a:ext uri="{FF2B5EF4-FFF2-40B4-BE49-F238E27FC236}">
+                <a16:creationId xmlns:a16="http://schemas.microsoft.com/office/drawing/2014/main" id="{994C1C42-DC05-0648-7DCC-54EF99667983}"/>
+              </a:ext>
+            </a:extLst>
+          </p:cNvPr>
+          <p:cNvSpPr>
+            <a:spLocks noGrp="1"/>
+          </p:cNvSpPr>
+          <p:nvPr/>
+        </p:nvSpPr>
+        <p:spPr bwMode="gray">
+          <a:xfrm>
+            <a:off x="853747" y="613791"/>
+            <a:ext cx="10100388" cy="706964"/>
+          </a:xfrm>
+          <a:prstGeom prst="rect">
+            <a:avLst/>
+          </a:prstGeom>
+        </p:spPr>
+        <p:txBody>
+          <a:bodyPr vert="horz" lIns="91440" tIns="45720" rIns="91440" bIns="45720" rtlCol="0" anchor="ctr">
+            <a:noAutofit/>
+          </a:bodyPr>
+          <a:lstStyle>
+            <a:lvl1pPr algn="l" defTabSz="457200" rtl="0" eaLnBrk="1" latinLnBrk="0" hangingPunct="1">
+              <a:spcBef>
+                <a:spcPct val="0"/>
+              </a:spcBef>
+              <a:buNone/>
+              <a:defRPr sz="3600" b="0" i="0" kern="1200">
+                <a:solidFill>
+                  <a:schemeClr val="bg2"/>
+                </a:solidFill>
+                <a:latin typeface="+mj-lt"/>
+                <a:ea typeface="+mj-ea"/>
+                <a:cs typeface="+mj-cs"/>
+              </a:defRPr>
+            </a:lvl1pPr>
+            <a:lvl2pPr eaLnBrk="1" hangingPunct="1">
+              <a:defRPr>
+                <a:solidFill>
+                  <a:schemeClr val="tx2"/>
+                </a:solidFill>
+              </a:defRPr>
+            </a:lvl2pPr>
+            <a:lvl3pPr eaLnBrk="1" hangingPunct="1">
+              <a:defRPr>
+                <a:solidFill>
+                  <a:schemeClr val="tx2"/>
+                </a:solidFill>
+              </a:defRPr>
+            </a:lvl3pPr>
+            <a:lvl4pPr eaLnBrk="1" hangingPunct="1">
+              <a:defRPr>
+                <a:solidFill>
+                  <a:schemeClr val="tx2"/>
+                </a:solidFill>
+              </a:defRPr>
+            </a:lvl4pPr>
+            <a:lvl5pPr eaLnBrk="1" hangingPunct="1">
+              <a:defRPr>
+                <a:solidFill>
+                  <a:schemeClr val="tx2"/>
+                </a:solidFill>
+              </a:defRPr>
+            </a:lvl5pPr>
+            <a:lvl6pPr eaLnBrk="1" hangingPunct="1">
+              <a:defRPr>
+                <a:solidFill>
+                  <a:schemeClr val="tx2"/>
+                </a:solidFill>
+              </a:defRPr>
+            </a:lvl6pPr>
+            <a:lvl7pPr eaLnBrk="1" hangingPunct="1">
+              <a:defRPr>
+                <a:solidFill>
+                  <a:schemeClr val="tx2"/>
+                </a:solidFill>
+              </a:defRPr>
+            </a:lvl7pPr>
+            <a:lvl8pPr eaLnBrk="1" hangingPunct="1">
+              <a:defRPr>
+                <a:solidFill>
+                  <a:schemeClr val="tx2"/>
+                </a:solidFill>
+              </a:defRPr>
+            </a:lvl8pPr>
+            <a:lvl9pPr eaLnBrk="1" hangingPunct="1">
+              <a:defRPr>
+                <a:solidFill>
+                  <a:schemeClr val="tx2"/>
+                </a:solidFill>
+              </a:defRPr>
+            </a:lvl9pPr>
+          </a:lstStyle>
+          <a:p>
+            <a:r>
+              <a:rPr lang="en-US" sz="4800" b="1" dirty="0">
+                <a:solidFill>
+                  <a:schemeClr val="bg1"/>
+                </a:solidFill>
+              </a:rPr>
+              <a:t>Frontend Functionality and Technology.</a:t>
+            </a:r>
+            <a:endParaRPr lang="en-IN" sz="4800" b="1" dirty="0">
+              <a:solidFill>
+                <a:schemeClr val="bg1"/>
+              </a:solidFill>
+            </a:endParaRPr>
+          </a:p>
+        </p:txBody>
+      </p:sp>
+      <p:sp>
+        <p:nvSpPr>
+          <p:cNvPr id="7" name="TextBox 6">
+            <a:extLst>
+              <a:ext uri="{FF2B5EF4-FFF2-40B4-BE49-F238E27FC236}">
+                <a16:creationId xmlns:a16="http://schemas.microsoft.com/office/drawing/2014/main" id="{16D3701D-AD36-36FA-18F2-2441167B7449}"/>
+              </a:ext>
+            </a:extLst>
+          </p:cNvPr>
+          <p:cNvSpPr txBox="1"/>
+          <p:nvPr/>
+        </p:nvSpPr>
+        <p:spPr>
+          <a:xfrm>
+            <a:off x="2167031" y="2320450"/>
+            <a:ext cx="9076358" cy="461665"/>
+          </a:xfrm>
+          <a:prstGeom prst="rect">
+            <a:avLst/>
+          </a:prstGeom>
+          <a:noFill/>
+          <a:ln w="38100">
+            <a:solidFill>
+              <a:schemeClr val="tx1"/>
+            </a:solidFill>
+          </a:ln>
+        </p:spPr>
+        <p:txBody>
+          <a:bodyPr wrap="square" rtlCol="0">
+            <a:spAutoFit/>
+          </a:bodyPr>
+          <a:lstStyle/>
+          <a:p>
+            <a:r>
+              <a:rPr lang="en-US" sz="2400" b="1" dirty="0"/>
+              <a:t>HTML5 for structuring the webpage and content.</a:t>
+            </a:r>
+            <a:endParaRPr lang="en-IN" sz="2800" b="1" dirty="0"/>
+          </a:p>
+        </p:txBody>
+      </p:sp>
+      <p:sp>
+        <p:nvSpPr>
+          <p:cNvPr id="8" name="TextBox 7">
+            <a:extLst>
+              <a:ext uri="{FF2B5EF4-FFF2-40B4-BE49-F238E27FC236}">
+                <a16:creationId xmlns:a16="http://schemas.microsoft.com/office/drawing/2014/main" id="{487D215F-4F12-1125-22A6-FBE69E77CDF7}"/>
+              </a:ext>
+            </a:extLst>
+          </p:cNvPr>
+          <p:cNvSpPr txBox="1"/>
+          <p:nvPr/>
+        </p:nvSpPr>
+        <p:spPr>
+          <a:xfrm>
+            <a:off x="2167031" y="3198167"/>
+            <a:ext cx="9076358" cy="461665"/>
+          </a:xfrm>
+          <a:prstGeom prst="rect">
+            <a:avLst/>
+          </a:prstGeom>
+          <a:noFill/>
+          <a:ln w="38100">
+            <a:solidFill>
+              <a:schemeClr val="tx1"/>
+            </a:solidFill>
+          </a:ln>
+        </p:spPr>
+        <p:txBody>
+          <a:bodyPr wrap="square" rtlCol="0">
+            <a:spAutoFit/>
+          </a:bodyPr>
+          <a:lstStyle/>
+          <a:p>
+            <a:r>
+              <a:rPr lang="en-US" sz="2400" b="1" dirty="0"/>
+              <a:t>CSS3 for styling and layout design.</a:t>
+            </a:r>
+            <a:endParaRPr lang="en-IN" sz="2400" b="1" dirty="0"/>
+          </a:p>
+        </p:txBody>
+      </p:sp>
+      <p:sp>
+        <p:nvSpPr>
+          <p:cNvPr id="10" name="TextBox 9">
+            <a:extLst>
+              <a:ext uri="{FF2B5EF4-FFF2-40B4-BE49-F238E27FC236}">
+                <a16:creationId xmlns:a16="http://schemas.microsoft.com/office/drawing/2014/main" id="{935CC519-AF89-1896-8448-DBBEE612BD6F}"/>
+              </a:ext>
+            </a:extLst>
+          </p:cNvPr>
+          <p:cNvSpPr txBox="1"/>
+          <p:nvPr/>
+        </p:nvSpPr>
+        <p:spPr>
+          <a:xfrm>
+            <a:off x="2167031" y="4075884"/>
+            <a:ext cx="9076358" cy="461665"/>
+          </a:xfrm>
+          <a:prstGeom prst="rect">
+            <a:avLst/>
+          </a:prstGeom>
+          <a:noFill/>
+          <a:ln w="38100">
+            <a:solidFill>
+              <a:schemeClr val="tx1"/>
+            </a:solidFill>
+          </a:ln>
+        </p:spPr>
+        <p:txBody>
+          <a:bodyPr wrap="square">
+            <a:spAutoFit/>
+          </a:bodyPr>
+          <a:lstStyle/>
+          <a:p>
+            <a:r>
+              <a:rPr lang="en-US" sz="2400" b="1" dirty="0"/>
+              <a:t>Python Flask for server-side rendering and handling dynamic content</a:t>
+            </a:r>
+            <a:endParaRPr lang="en-IN" sz="2400" b="1" dirty="0"/>
+          </a:p>
+        </p:txBody>
+      </p:sp>
+    </p:spTree>
+    <p:extLst>
+      <p:ext uri="{BB962C8B-B14F-4D97-AF65-F5344CB8AC3E}">
+        <p14:creationId xmlns:p14="http://schemas.microsoft.com/office/powerpoint/2010/main" val="3001501306"/>
+      </p:ext>
+    </p:extLst>
+  </p:cSld>
+  <p:clrMapOvr>
+    <a:masterClrMapping/>
+  </p:clrMapOvr>
+</p:sld>
+</file>
+
+<file path=ppt/slides/slide6.xml><?xml version="1.0" encoding="utf-8"?>
+<p:sld xmlns:a="http://schemas.openxmlformats.org/drawingml/2006/main" xmlns:r="http://schemas.openxmlformats.org/officeDocument/2006/relationships" xmlns:p="http://schemas.openxmlformats.org/presentationml/2006/main">
+  <p:cSld>
+    <p:spTree>
+      <p:nvGrpSpPr>
+        <p:cNvPr id="1" name=""/>
+        <p:cNvGrpSpPr/>
+        <p:nvPr/>
+      </p:nvGrpSpPr>
+      <p:grpSpPr>
+        <a:xfrm>
+          <a:off x="0" y="0"/>
+          <a:ext cx="0" cy="0"/>
+          <a:chOff x="0" y="0"/>
+          <a:chExt cx="0" cy="0"/>
+        </a:xfrm>
+      </p:grpSpPr>
+      <p:sp>
+        <p:nvSpPr>
+          <p:cNvPr id="10" name="Rectangle 9">
+            <a:extLst>
+              <a:ext uri="{FF2B5EF4-FFF2-40B4-BE49-F238E27FC236}">
+                <a16:creationId xmlns:a16="http://schemas.microsoft.com/office/drawing/2014/main" id="{7F3428AA-B75B-10F3-0F39-727C2F717CF5}"/>
+              </a:ext>
+            </a:extLst>
+          </p:cNvPr>
+          <p:cNvSpPr/>
+          <p:nvPr/>
+        </p:nvSpPr>
+        <p:spPr>
+          <a:xfrm>
+            <a:off x="0" y="0"/>
+            <a:ext cx="1875453" cy="6858000"/>
+          </a:xfrm>
+          <a:prstGeom prst="rect">
+            <a:avLst/>
+          </a:prstGeom>
+          <a:solidFill>
+            <a:schemeClr val="bg2">
+              <a:lumMod val="25000"/>
+            </a:schemeClr>
+          </a:solidFill>
+        </p:spPr>
+        <p:style>
+          <a:lnRef idx="2">
+            <a:schemeClr val="accent1">
+              <a:shade val="15000"/>
+            </a:schemeClr>
+          </a:lnRef>
+          <a:fillRef idx="1">
+            <a:schemeClr val="accent1"/>
+          </a:fillRef>
+          <a:effectRef idx="0">
+            <a:schemeClr val="accent1"/>
+          </a:effectRef>
+          <a:fontRef idx="minor">
+            <a:schemeClr val="lt1"/>
+          </a:fontRef>
+        </p:style>
+        <p:txBody>
+          <a:bodyPr rtlCol="0" anchor="ctr"/>
+          <a:lstStyle/>
+          <a:p>
+            <a:pPr algn="ctr"/>
+            <a:endParaRPr lang="en-IN"/>
+          </a:p>
+        </p:txBody>
+      </p:sp>
+      <p:sp>
+        <p:nvSpPr>
+          <p:cNvPr id="11" name="Rectangle 10">
+            <a:extLst>
+              <a:ext uri="{FF2B5EF4-FFF2-40B4-BE49-F238E27FC236}">
+                <a16:creationId xmlns:a16="http://schemas.microsoft.com/office/drawing/2014/main" id="{031734F2-3BC8-0531-70B6-CCAC49E819E9}"/>
+              </a:ext>
+            </a:extLst>
+          </p:cNvPr>
+          <p:cNvSpPr/>
+          <p:nvPr/>
+        </p:nvSpPr>
+        <p:spPr>
+          <a:xfrm>
+            <a:off x="628261" y="320350"/>
+            <a:ext cx="10699102" cy="1219200"/>
+          </a:xfrm>
+          <a:prstGeom prst="rect">
+            <a:avLst/>
+          </a:prstGeom>
+          <a:solidFill>
+            <a:schemeClr val="accent2">
+              <a:lumMod val="75000"/>
+            </a:schemeClr>
+          </a:solidFill>
+          <a:ln w="76200">
+            <a:solidFill>
+              <a:schemeClr val="bg1"/>
+            </a:solidFill>
+          </a:ln>
+        </p:spPr>
+        <p:style>
+          <a:lnRef idx="2">
+            <a:schemeClr val="accent1">
+              <a:shade val="15000"/>
+            </a:schemeClr>
+          </a:lnRef>
+          <a:fillRef idx="1">
+            <a:schemeClr val="accent1"/>
+          </a:fillRef>
+          <a:effectRef idx="0">
+            <a:schemeClr val="accent1"/>
+          </a:effectRef>
+          <a:fontRef idx="minor">
+            <a:schemeClr val="lt1"/>
+          </a:fontRef>
+        </p:style>
+        <p:txBody>
+          <a:bodyPr rtlCol="0" anchor="ctr"/>
+          <a:lstStyle/>
+          <a:p>
+            <a:pPr algn="ctr"/>
+            <a:endParaRPr lang="en-IN"/>
+          </a:p>
+        </p:txBody>
+      </p:sp>
+      <p:sp>
+        <p:nvSpPr>
+          <p:cNvPr id="12" name="Title 1">
+            <a:extLst>
+              <a:ext uri="{FF2B5EF4-FFF2-40B4-BE49-F238E27FC236}">
+                <a16:creationId xmlns:a16="http://schemas.microsoft.com/office/drawing/2014/main" id="{BC0898D9-B53C-8A8D-7B11-4FF78B521855}"/>
+              </a:ext>
+            </a:extLst>
+          </p:cNvPr>
+          <p:cNvSpPr>
+            <a:spLocks noGrp="1"/>
+          </p:cNvSpPr>
+          <p:nvPr/>
+        </p:nvSpPr>
+        <p:spPr bwMode="gray">
+          <a:xfrm>
+            <a:off x="853747" y="613791"/>
+            <a:ext cx="10100388" cy="706964"/>
+          </a:xfrm>
+          <a:prstGeom prst="rect">
+            <a:avLst/>
+          </a:prstGeom>
+        </p:spPr>
+        <p:txBody>
+          <a:bodyPr vert="horz" lIns="91440" tIns="45720" rIns="91440" bIns="45720" rtlCol="0" anchor="ctr">
+            <a:noAutofit/>
+          </a:bodyPr>
+          <a:lstStyle>
+            <a:lvl1pPr algn="l" defTabSz="457200" rtl="0" eaLnBrk="1" latinLnBrk="0" hangingPunct="1">
+              <a:spcBef>
+                <a:spcPct val="0"/>
+              </a:spcBef>
+              <a:buNone/>
+              <a:defRPr sz="3600" b="0" i="0" kern="1200">
+                <a:solidFill>
+                  <a:schemeClr val="bg2"/>
+                </a:solidFill>
+                <a:latin typeface="+mj-lt"/>
+                <a:ea typeface="+mj-ea"/>
+                <a:cs typeface="+mj-cs"/>
+              </a:defRPr>
+            </a:lvl1pPr>
+            <a:lvl2pPr eaLnBrk="1" hangingPunct="1">
+              <a:defRPr>
+                <a:solidFill>
+                  <a:schemeClr val="tx2"/>
+                </a:solidFill>
+              </a:defRPr>
+            </a:lvl2pPr>
+            <a:lvl3pPr eaLnBrk="1" hangingPunct="1">
+              <a:defRPr>
+                <a:solidFill>
+                  <a:schemeClr val="tx2"/>
+                </a:solidFill>
+              </a:defRPr>
+            </a:lvl3pPr>
+            <a:lvl4pPr eaLnBrk="1" hangingPunct="1">
+              <a:defRPr>
+                <a:solidFill>
+                  <a:schemeClr val="tx2"/>
+                </a:solidFill>
+              </a:defRPr>
+            </a:lvl4pPr>
+            <a:lvl5pPr eaLnBrk="1" hangingPunct="1">
+              <a:defRPr>
+                <a:solidFill>
+                  <a:schemeClr val="tx2"/>
+                </a:solidFill>
+              </a:defRPr>
+            </a:lvl5pPr>
+            <a:lvl6pPr eaLnBrk="1" hangingPunct="1">
+              <a:defRPr>
+                <a:solidFill>
+                  <a:schemeClr val="tx2"/>
+                </a:solidFill>
+              </a:defRPr>
+            </a:lvl6pPr>
+            <a:lvl7pPr eaLnBrk="1" hangingPunct="1">
+              <a:defRPr>
+                <a:solidFill>
+                  <a:schemeClr val="tx2"/>
+                </a:solidFill>
+              </a:defRPr>
+            </a:lvl7pPr>
+            <a:lvl8pPr eaLnBrk="1" hangingPunct="1">
+              <a:defRPr>
+                <a:solidFill>
+                  <a:schemeClr val="tx2"/>
+                </a:solidFill>
+              </a:defRPr>
+            </a:lvl8pPr>
+            <a:lvl9pPr eaLnBrk="1" hangingPunct="1">
+              <a:defRPr>
+                <a:solidFill>
+                  <a:schemeClr val="tx2"/>
+                </a:solidFill>
+              </a:defRPr>
+            </a:lvl9pPr>
+          </a:lstStyle>
+          <a:p>
+            <a:r>
+              <a:rPr lang="en-US" sz="4800" b="1" dirty="0">
+                <a:solidFill>
+                  <a:schemeClr val="bg1"/>
+                </a:solidFill>
+              </a:rPr>
+              <a:t>Backend Functionality</a:t>
+            </a:r>
+            <a:endParaRPr lang="en-IN" sz="4800" b="1" dirty="0">
+              <a:solidFill>
+                <a:schemeClr val="bg1"/>
+              </a:solidFill>
+            </a:endParaRPr>
+          </a:p>
+        </p:txBody>
+      </p:sp>
+      <p:sp>
+        <p:nvSpPr>
+          <p:cNvPr id="13" name="TextBox 12">
+            <a:extLst>
+              <a:ext uri="{FF2B5EF4-FFF2-40B4-BE49-F238E27FC236}">
+                <a16:creationId xmlns:a16="http://schemas.microsoft.com/office/drawing/2014/main" id="{DC148E60-5C26-3011-698E-4B706705F38E}"/>
+              </a:ext>
+            </a:extLst>
+          </p:cNvPr>
+          <p:cNvSpPr txBox="1"/>
+          <p:nvPr/>
+        </p:nvSpPr>
+        <p:spPr>
+          <a:xfrm>
+            <a:off x="2167031" y="2320450"/>
+            <a:ext cx="9076358" cy="461665"/>
+          </a:xfrm>
+          <a:prstGeom prst="rect">
+            <a:avLst/>
+          </a:prstGeom>
+          <a:noFill/>
+          <a:ln w="38100">
+            <a:solidFill>
+              <a:schemeClr val="tx1"/>
+            </a:solidFill>
+          </a:ln>
+        </p:spPr>
+        <p:txBody>
+          <a:bodyPr wrap="square" rtlCol="0">
+            <a:spAutoFit/>
+          </a:bodyPr>
+          <a:lstStyle/>
+          <a:p>
+            <a:r>
+              <a:rPr lang="en-US" sz="2400" b="1" dirty="0"/>
+              <a:t>Python Flask for server-side logic and API development.</a:t>
+            </a:r>
+            <a:endParaRPr lang="en-IN" sz="2800" b="1" dirty="0"/>
+          </a:p>
+        </p:txBody>
+      </p:sp>
+      <p:sp>
+        <p:nvSpPr>
+          <p:cNvPr id="14" name="TextBox 13">
+            <a:extLst>
+              <a:ext uri="{FF2B5EF4-FFF2-40B4-BE49-F238E27FC236}">
+                <a16:creationId xmlns:a16="http://schemas.microsoft.com/office/drawing/2014/main" id="{9979609A-ECE4-A6D0-EF7D-7A30ADF759B8}"/>
+              </a:ext>
+            </a:extLst>
+          </p:cNvPr>
+          <p:cNvSpPr txBox="1"/>
+          <p:nvPr/>
+        </p:nvSpPr>
+        <p:spPr>
+          <a:xfrm>
+            <a:off x="2167031" y="3198167"/>
+            <a:ext cx="9076358" cy="461665"/>
+          </a:xfrm>
+          <a:prstGeom prst="rect">
+            <a:avLst/>
+          </a:prstGeom>
+          <a:noFill/>
+          <a:ln w="38100">
+            <a:solidFill>
+              <a:schemeClr val="tx1"/>
+            </a:solidFill>
+          </a:ln>
+        </p:spPr>
+        <p:txBody>
+          <a:bodyPr wrap="square" rtlCol="0">
+            <a:spAutoFit/>
+          </a:bodyPr>
+          <a:lstStyle/>
+          <a:p>
+            <a:r>
+              <a:rPr lang="en-US" sz="2400" b="1" dirty="0"/>
+              <a:t>Integration with OpenCV for facial recognition and image processing.</a:t>
+            </a:r>
+            <a:endParaRPr lang="en-IN" sz="2400" b="1" dirty="0"/>
+          </a:p>
+        </p:txBody>
+      </p:sp>
+      <p:sp>
+        <p:nvSpPr>
+          <p:cNvPr id="15" name="TextBox 14">
+            <a:extLst>
+              <a:ext uri="{FF2B5EF4-FFF2-40B4-BE49-F238E27FC236}">
+                <a16:creationId xmlns:a16="http://schemas.microsoft.com/office/drawing/2014/main" id="{FF91D9B8-04CC-A942-066E-BD34C1623BE0}"/>
+              </a:ext>
+            </a:extLst>
+          </p:cNvPr>
+          <p:cNvSpPr txBox="1"/>
+          <p:nvPr/>
+        </p:nvSpPr>
+        <p:spPr>
+          <a:xfrm>
+            <a:off x="2167031" y="4075884"/>
+            <a:ext cx="9076358" cy="461665"/>
+          </a:xfrm>
+          <a:prstGeom prst="rect">
+            <a:avLst/>
+          </a:prstGeom>
+          <a:noFill/>
+          <a:ln w="38100">
+            <a:solidFill>
+              <a:schemeClr val="tx1"/>
+            </a:solidFill>
+          </a:ln>
+        </p:spPr>
+        <p:txBody>
+          <a:bodyPr wrap="square">
+            <a:spAutoFit/>
+          </a:bodyPr>
+          <a:lstStyle/>
+          <a:p>
+            <a:r>
+              <a:rPr lang="en-US" sz="2400" b="1" dirty="0"/>
+              <a:t>MongoDB for database management and storing attendance records.</a:t>
+            </a:r>
+            <a:endParaRPr lang="en-IN" sz="2400" b="1" dirty="0"/>
+          </a:p>
+        </p:txBody>
+      </p:sp>
+    </p:spTree>
+    <p:extLst>
+      <p:ext uri="{BB962C8B-B14F-4D97-AF65-F5344CB8AC3E}">
+        <p14:creationId xmlns:p14="http://schemas.microsoft.com/office/powerpoint/2010/main" val="2782923575"/>
+      </p:ext>
+    </p:extLst>
+  </p:cSld>
+  <p:clrMapOvr>
+    <a:masterClrMapping/>
+  </p:clrMapOvr>
+</p:sld>
+</file>
+
+<file path=ppt/slides/slide7.xml><?xml version="1.0" encoding="utf-8"?>
+<p:sld xmlns:a="http://schemas.openxmlformats.org/drawingml/2006/main" xmlns:r="http://schemas.openxmlformats.org/officeDocument/2006/relationships" xmlns:p="http://schemas.openxmlformats.org/presentationml/2006/main">
+  <p:cSld>
+    <p:spTree>
+      <p:nvGrpSpPr>
+        <p:cNvPr id="1" name=""/>
+        <p:cNvGrpSpPr/>
+        <p:nvPr/>
+      </p:nvGrpSpPr>
+      <p:grpSpPr>
+        <a:xfrm>
+          <a:off x="0" y="0"/>
+          <a:ext cx="0" cy="0"/>
+          <a:chOff x="0" y="0"/>
+          <a:chExt cx="0" cy="0"/>
+        </a:xfrm>
+      </p:grpSpPr>
+      <p:sp>
+        <p:nvSpPr>
+          <p:cNvPr id="4" name="Rectangle 3">
+            <a:extLst>
+              <a:ext uri="{FF2B5EF4-FFF2-40B4-BE49-F238E27FC236}">
+                <a16:creationId xmlns:a16="http://schemas.microsoft.com/office/drawing/2014/main" id="{4AB2BEAD-F221-A9E6-E99A-C19BB4BFBC60}"/>
+              </a:ext>
+            </a:extLst>
+          </p:cNvPr>
+          <p:cNvSpPr/>
+          <p:nvPr/>
+        </p:nvSpPr>
+        <p:spPr>
+          <a:xfrm>
+            <a:off x="0" y="0"/>
+            <a:ext cx="1875453" cy="6858000"/>
+          </a:xfrm>
+          <a:prstGeom prst="rect">
+            <a:avLst/>
+          </a:prstGeom>
+          <a:solidFill>
+            <a:schemeClr val="bg2">
+              <a:lumMod val="25000"/>
+            </a:schemeClr>
+          </a:solidFill>
+        </p:spPr>
+        <p:style>
+          <a:lnRef idx="2">
+            <a:schemeClr val="accent1">
+              <a:shade val="15000"/>
+            </a:schemeClr>
+          </a:lnRef>
+          <a:fillRef idx="1">
+            <a:schemeClr val="accent1"/>
+          </a:fillRef>
+          <a:effectRef idx="0">
+            <a:schemeClr val="accent1"/>
+          </a:effectRef>
+          <a:fontRef idx="minor">
+            <a:schemeClr val="lt1"/>
+          </a:fontRef>
+        </p:style>
+        <p:txBody>
+          <a:bodyPr rtlCol="0" anchor="ctr"/>
+          <a:lstStyle/>
+          <a:p>
+            <a:pPr algn="ctr"/>
+            <a:endParaRPr lang="en-IN"/>
+          </a:p>
+        </p:txBody>
+      </p:sp>
+      <p:sp>
+        <p:nvSpPr>
+          <p:cNvPr id="5" name="Rectangle 4">
+            <a:extLst>
+              <a:ext uri="{FF2B5EF4-FFF2-40B4-BE49-F238E27FC236}">
+                <a16:creationId xmlns:a16="http://schemas.microsoft.com/office/drawing/2014/main" id="{9B69F7CE-1452-AC5D-F07C-A6CFC0E4FE38}"/>
+              </a:ext>
+            </a:extLst>
+          </p:cNvPr>
+          <p:cNvSpPr/>
+          <p:nvPr/>
+        </p:nvSpPr>
+        <p:spPr>
+          <a:xfrm>
+            <a:off x="628261" y="320350"/>
+            <a:ext cx="10699102" cy="1219200"/>
+          </a:xfrm>
+          <a:prstGeom prst="rect">
+            <a:avLst/>
+          </a:prstGeom>
+          <a:solidFill>
+            <a:schemeClr val="accent2">
+              <a:lumMod val="75000"/>
+            </a:schemeClr>
+          </a:solidFill>
+          <a:ln w="76200">
+            <a:solidFill>
+              <a:schemeClr val="bg1"/>
+            </a:solidFill>
+          </a:ln>
+        </p:spPr>
+        <p:style>
+          <a:lnRef idx="2">
+            <a:schemeClr val="accent1">
+              <a:shade val="15000"/>
+            </a:schemeClr>
+          </a:lnRef>
+          <a:fillRef idx="1">
+            <a:schemeClr val="accent1"/>
+          </a:fillRef>
+          <a:effectRef idx="0">
+            <a:schemeClr val="accent1"/>
+          </a:effectRef>
+          <a:fontRef idx="minor">
+            <a:schemeClr val="lt1"/>
+          </a:fontRef>
+        </p:style>
+        <p:txBody>
+          <a:bodyPr rtlCol="0" anchor="ctr"/>
+          <a:lstStyle/>
+          <a:p>
+            <a:pPr algn="ctr"/>
+            <a:endParaRPr lang="en-IN"/>
+          </a:p>
+        </p:txBody>
+      </p:sp>
+      <p:sp>
+        <p:nvSpPr>
+          <p:cNvPr id="6" name="Title 1">
+            <a:extLst>
+              <a:ext uri="{FF2B5EF4-FFF2-40B4-BE49-F238E27FC236}">
+                <a16:creationId xmlns:a16="http://schemas.microsoft.com/office/drawing/2014/main" id="{8E4EF91B-A8CF-698F-682D-8A1CADB5C866}"/>
+              </a:ext>
+            </a:extLst>
+          </p:cNvPr>
+          <p:cNvSpPr>
+            <a:spLocks noGrp="1"/>
+          </p:cNvSpPr>
+          <p:nvPr/>
+        </p:nvSpPr>
+        <p:spPr bwMode="gray">
+          <a:xfrm>
+            <a:off x="864637" y="613791"/>
+            <a:ext cx="10100388" cy="706964"/>
+          </a:xfrm>
+          <a:prstGeom prst="rect">
+            <a:avLst/>
+          </a:prstGeom>
+        </p:spPr>
+        <p:txBody>
+          <a:bodyPr vert="horz" lIns="91440" tIns="45720" rIns="91440" bIns="45720" rtlCol="0" anchor="ctr">
+            <a:noAutofit/>
+          </a:bodyPr>
+          <a:lstStyle>
+            <a:lvl1pPr algn="l" defTabSz="457200" rtl="0" eaLnBrk="1" latinLnBrk="0" hangingPunct="1">
+              <a:spcBef>
+                <a:spcPct val="0"/>
+              </a:spcBef>
+              <a:buNone/>
+              <a:defRPr sz="3600" b="0" i="0" kern="1200">
+                <a:solidFill>
+                  <a:schemeClr val="bg2"/>
+                </a:solidFill>
+                <a:latin typeface="+mj-lt"/>
+                <a:ea typeface="+mj-ea"/>
+                <a:cs typeface="+mj-cs"/>
+              </a:defRPr>
+            </a:lvl1pPr>
+            <a:lvl2pPr eaLnBrk="1" hangingPunct="1">
+              <a:defRPr>
+                <a:solidFill>
+                  <a:schemeClr val="tx2"/>
+                </a:solidFill>
+              </a:defRPr>
+            </a:lvl2pPr>
+            <a:lvl3pPr eaLnBrk="1" hangingPunct="1">
+              <a:defRPr>
+                <a:solidFill>
+                  <a:schemeClr val="tx2"/>
+                </a:solidFill>
+              </a:defRPr>
+            </a:lvl3pPr>
+            <a:lvl4pPr eaLnBrk="1" hangingPunct="1">
+              <a:defRPr>
+                <a:solidFill>
+                  <a:schemeClr val="tx2"/>
+                </a:solidFill>
+              </a:defRPr>
+            </a:lvl4pPr>
+            <a:lvl5pPr eaLnBrk="1" hangingPunct="1">
+              <a:defRPr>
+                <a:solidFill>
+                  <a:schemeClr val="tx2"/>
+                </a:solidFill>
+              </a:defRPr>
+            </a:lvl5pPr>
+            <a:lvl6pPr eaLnBrk="1" hangingPunct="1">
+              <a:defRPr>
+                <a:solidFill>
+                  <a:schemeClr val="tx2"/>
+                </a:solidFill>
+              </a:defRPr>
+            </a:lvl6pPr>
+            <a:lvl7pPr eaLnBrk="1" hangingPunct="1">
+              <a:defRPr>
+                <a:solidFill>
+                  <a:schemeClr val="tx2"/>
+                </a:solidFill>
+              </a:defRPr>
+            </a:lvl7pPr>
+            <a:lvl8pPr eaLnBrk="1" hangingPunct="1">
+              <a:defRPr>
+                <a:solidFill>
+                  <a:schemeClr val="tx2"/>
+                </a:solidFill>
+              </a:defRPr>
+            </a:lvl8pPr>
+            <a:lvl9pPr eaLnBrk="1" hangingPunct="1">
+              <a:defRPr>
+                <a:solidFill>
+                  <a:schemeClr val="tx2"/>
+                </a:solidFill>
+              </a:defRPr>
+            </a:lvl9pPr>
+          </a:lstStyle>
+          <a:p>
+            <a:r>
+              <a:rPr lang="en-US" sz="8800" b="1" dirty="0">
+                <a:solidFill>
+                  <a:schemeClr val="bg1"/>
+                </a:solidFill>
+              </a:rPr>
+              <a:t>Database</a:t>
+            </a:r>
+            <a:endParaRPr lang="en-IN" sz="8800" b="1" dirty="0">
+              <a:solidFill>
+                <a:schemeClr val="bg1"/>
+              </a:solidFill>
+            </a:endParaRPr>
+          </a:p>
+        </p:txBody>
+      </p:sp>
+      <p:sp>
+        <p:nvSpPr>
+          <p:cNvPr id="7" name="TextBox 6">
+            <a:extLst>
+              <a:ext uri="{FF2B5EF4-FFF2-40B4-BE49-F238E27FC236}">
+                <a16:creationId xmlns:a16="http://schemas.microsoft.com/office/drawing/2014/main" id="{E06B9A31-DD60-B271-5F11-00647FE66CAF}"/>
+              </a:ext>
+            </a:extLst>
+          </p:cNvPr>
+          <p:cNvSpPr txBox="1"/>
+          <p:nvPr/>
+        </p:nvSpPr>
+        <p:spPr>
+          <a:xfrm>
+            <a:off x="2167031" y="2320450"/>
+            <a:ext cx="9076358" cy="461665"/>
+          </a:xfrm>
+          <a:prstGeom prst="rect">
+            <a:avLst/>
+          </a:prstGeom>
+          <a:noFill/>
+          <a:ln w="38100">
+            <a:solidFill>
+              <a:schemeClr val="tx1"/>
+            </a:solidFill>
+          </a:ln>
+        </p:spPr>
+        <p:txBody>
+          <a:bodyPr wrap="square" rtlCol="0">
+            <a:spAutoFit/>
+          </a:bodyPr>
+          <a:lstStyle/>
+          <a:p>
+            <a:r>
+              <a:rPr lang="en-US" sz="2400" b="1" dirty="0"/>
+              <a:t>NoSQL (MongoDB)</a:t>
+            </a:r>
+            <a:endParaRPr lang="en-IN" sz="2800" b="1" dirty="0"/>
+          </a:p>
+        </p:txBody>
+      </p:sp>
+      <p:sp>
+        <p:nvSpPr>
+          <p:cNvPr id="8" name="TextBox 7">
+            <a:extLst>
+              <a:ext uri="{FF2B5EF4-FFF2-40B4-BE49-F238E27FC236}">
+                <a16:creationId xmlns:a16="http://schemas.microsoft.com/office/drawing/2014/main" id="{C6404883-5FD3-F8FA-58D7-82633EDD8718}"/>
+              </a:ext>
+            </a:extLst>
+          </p:cNvPr>
+          <p:cNvSpPr txBox="1"/>
+          <p:nvPr/>
+        </p:nvSpPr>
+        <p:spPr>
+          <a:xfrm>
+            <a:off x="2167031" y="3198167"/>
+            <a:ext cx="9076358" cy="830997"/>
+          </a:xfrm>
+          <a:prstGeom prst="rect">
+            <a:avLst/>
+          </a:prstGeom>
+          <a:noFill/>
+          <a:ln w="38100">
+            <a:solidFill>
+              <a:schemeClr val="tx1"/>
+            </a:solidFill>
+          </a:ln>
+        </p:spPr>
+        <p:txBody>
+          <a:bodyPr wrap="square" rtlCol="0">
+            <a:spAutoFit/>
+          </a:bodyPr>
+          <a:lstStyle/>
+          <a:p>
+            <a:r>
+              <a:rPr lang="en-US" sz="2400" b="1" dirty="0"/>
+              <a:t>Given the data includes images and text, a NoSQL database like MongoDB is more suitable for handling unstructured data efficiently.</a:t>
+            </a:r>
+            <a:endParaRPr lang="en-IN" sz="2400" b="1" dirty="0"/>
+          </a:p>
+        </p:txBody>
+      </p:sp>
+    </p:spTree>
+    <p:extLst>
+      <p:ext uri="{BB962C8B-B14F-4D97-AF65-F5344CB8AC3E}">
+        <p14:creationId xmlns:p14="http://schemas.microsoft.com/office/powerpoint/2010/main" val="437090642"/>
+      </p:ext>
+    </p:extLst>
+  </p:cSld>
+  <p:clrMapOvr>
+    <a:masterClrMapping/>
+  </p:clrMapOvr>
+</p:sld>
+</file>
+
+<file path=ppt/slides/slide8.xml><?xml version="1.0" encoding="utf-8"?>
+<p:sld xmlns:a="http://schemas.openxmlformats.org/drawingml/2006/main" xmlns:r="http://schemas.openxmlformats.org/officeDocument/2006/relationships" xmlns:p="http://schemas.openxmlformats.org/presentationml/2006/main">
+  <p:cSld>
+    <p:spTree>
+      <p:nvGrpSpPr>
+        <p:cNvPr id="1" name=""/>
+        <p:cNvGrpSpPr/>
+        <p:nvPr/>
+      </p:nvGrpSpPr>
+      <p:grpSpPr>
+        <a:xfrm>
+          <a:off x="0" y="0"/>
+          <a:ext cx="0" cy="0"/>
+          <a:chOff x="0" y="0"/>
+          <a:chExt cx="0" cy="0"/>
+        </a:xfrm>
+      </p:grpSpPr>
+      <p:sp>
+        <p:nvSpPr>
+          <p:cNvPr id="4" name="Rectangle 3">
+            <a:extLst>
+              <a:ext uri="{FF2B5EF4-FFF2-40B4-BE49-F238E27FC236}">
+                <a16:creationId xmlns:a16="http://schemas.microsoft.com/office/drawing/2014/main" id="{29A20509-3990-B6C9-FFE5-CAEDDAAF8801}"/>
+              </a:ext>
+            </a:extLst>
+          </p:cNvPr>
+          <p:cNvSpPr/>
+          <p:nvPr/>
+        </p:nvSpPr>
+        <p:spPr>
+          <a:xfrm>
+            <a:off x="0" y="0"/>
+            <a:ext cx="1875453" cy="6858000"/>
+          </a:xfrm>
+          <a:prstGeom prst="rect">
+            <a:avLst/>
+          </a:prstGeom>
+          <a:solidFill>
+            <a:schemeClr val="bg2">
+              <a:lumMod val="25000"/>
+            </a:schemeClr>
+          </a:solidFill>
+        </p:spPr>
+        <p:style>
+          <a:lnRef idx="2">
+            <a:schemeClr val="accent1">
+              <a:shade val="15000"/>
+            </a:schemeClr>
+          </a:lnRef>
+          <a:fillRef idx="1">
+            <a:schemeClr val="accent1"/>
+          </a:fillRef>
+          <a:effectRef idx="0">
+            <a:schemeClr val="accent1"/>
+          </a:effectRef>
+          <a:fontRef idx="minor">
+            <a:schemeClr val="lt1"/>
+          </a:fontRef>
+        </p:style>
+        <p:txBody>
+          <a:bodyPr rtlCol="0" anchor="ctr"/>
+          <a:lstStyle/>
+          <a:p>
+            <a:pPr algn="ctr"/>
+            <a:endParaRPr lang="en-IN"/>
+          </a:p>
+        </p:txBody>
+      </p:sp>
+      <p:sp>
+        <p:nvSpPr>
+          <p:cNvPr id="5" name="Rectangle 4">
+            <a:extLst>
+              <a:ext uri="{FF2B5EF4-FFF2-40B4-BE49-F238E27FC236}">
+                <a16:creationId xmlns:a16="http://schemas.microsoft.com/office/drawing/2014/main" id="{F5041BA9-5527-F3E8-F313-745E65F2C68A}"/>
+              </a:ext>
+            </a:extLst>
+          </p:cNvPr>
+          <p:cNvSpPr/>
+          <p:nvPr/>
+        </p:nvSpPr>
+        <p:spPr>
+          <a:xfrm>
+            <a:off x="628261" y="320350"/>
+            <a:ext cx="10699102" cy="1219200"/>
+          </a:xfrm>
+          <a:prstGeom prst="rect">
+            <a:avLst/>
+          </a:prstGeom>
+          <a:solidFill>
+            <a:schemeClr val="accent2">
+              <a:lumMod val="75000"/>
+            </a:schemeClr>
+          </a:solidFill>
+          <a:ln w="76200">
+            <a:solidFill>
+              <a:schemeClr val="bg1"/>
+            </a:solidFill>
+          </a:ln>
+        </p:spPr>
+        <p:style>
+          <a:lnRef idx="2">
+            <a:schemeClr val="accent1">
+              <a:shade val="15000"/>
+            </a:schemeClr>
+          </a:lnRef>
+          <a:fillRef idx="1">
+            <a:schemeClr val="accent1"/>
+          </a:fillRef>
+          <a:effectRef idx="0">
+            <a:schemeClr val="accent1"/>
+          </a:effectRef>
+          <a:fontRef idx="minor">
+            <a:schemeClr val="lt1"/>
+          </a:fontRef>
+        </p:style>
+        <p:txBody>
+          <a:bodyPr rtlCol="0" anchor="ctr"/>
+          <a:lstStyle/>
+          <a:p>
+            <a:pPr algn="ctr"/>
+            <a:endParaRPr lang="en-IN"/>
+          </a:p>
+        </p:txBody>
+      </p:sp>
+      <p:sp>
+        <p:nvSpPr>
+          <p:cNvPr id="6" name="Title 1">
+            <a:extLst>
+              <a:ext uri="{FF2B5EF4-FFF2-40B4-BE49-F238E27FC236}">
+                <a16:creationId xmlns:a16="http://schemas.microsoft.com/office/drawing/2014/main" id="{98BE5177-F276-650B-3256-31F6F042CDC5}"/>
+              </a:ext>
+            </a:extLst>
+          </p:cNvPr>
+          <p:cNvSpPr>
+            <a:spLocks noGrp="1"/>
+          </p:cNvSpPr>
+          <p:nvPr/>
+        </p:nvSpPr>
+        <p:spPr bwMode="gray">
+          <a:xfrm>
+            <a:off x="853747" y="613791"/>
+            <a:ext cx="10100388" cy="706964"/>
+          </a:xfrm>
+          <a:prstGeom prst="rect">
+            <a:avLst/>
+          </a:prstGeom>
+        </p:spPr>
+        <p:txBody>
+          <a:bodyPr vert="horz" lIns="91440" tIns="45720" rIns="91440" bIns="45720" rtlCol="0" anchor="ctr">
+            <a:noAutofit/>
+          </a:bodyPr>
+          <a:lstStyle>
+            <a:lvl1pPr algn="l" defTabSz="457200" rtl="0" eaLnBrk="1" latinLnBrk="0" hangingPunct="1">
+              <a:spcBef>
+                <a:spcPct val="0"/>
+              </a:spcBef>
+              <a:buNone/>
+              <a:defRPr sz="3600" b="0" i="0" kern="1200">
+                <a:solidFill>
+                  <a:schemeClr val="bg2"/>
+                </a:solidFill>
+                <a:latin typeface="+mj-lt"/>
+                <a:ea typeface="+mj-ea"/>
+                <a:cs typeface="+mj-cs"/>
+              </a:defRPr>
+            </a:lvl1pPr>
+            <a:lvl2pPr eaLnBrk="1" hangingPunct="1">
+              <a:defRPr>
+                <a:solidFill>
+                  <a:schemeClr val="tx2"/>
+                </a:solidFill>
+              </a:defRPr>
+            </a:lvl2pPr>
+            <a:lvl3pPr eaLnBrk="1" hangingPunct="1">
+              <a:defRPr>
+                <a:solidFill>
+                  <a:schemeClr val="tx2"/>
+                </a:solidFill>
+              </a:defRPr>
+            </a:lvl3pPr>
+            <a:lvl4pPr eaLnBrk="1" hangingPunct="1">
+              <a:defRPr>
+                <a:solidFill>
+                  <a:schemeClr val="tx2"/>
+                </a:solidFill>
+              </a:defRPr>
+            </a:lvl4pPr>
+            <a:lvl5pPr eaLnBrk="1" hangingPunct="1">
+              <a:defRPr>
+                <a:solidFill>
+                  <a:schemeClr val="tx2"/>
+                </a:solidFill>
+              </a:defRPr>
+            </a:lvl5pPr>
+            <a:lvl6pPr eaLnBrk="1" hangingPunct="1">
+              <a:defRPr>
+                <a:solidFill>
+                  <a:schemeClr val="tx2"/>
+                </a:solidFill>
+              </a:defRPr>
+            </a:lvl6pPr>
+            <a:lvl7pPr eaLnBrk="1" hangingPunct="1">
+              <a:defRPr>
+                <a:solidFill>
+                  <a:schemeClr val="tx2"/>
+                </a:solidFill>
+              </a:defRPr>
+            </a:lvl7pPr>
+            <a:lvl8pPr eaLnBrk="1" hangingPunct="1">
+              <a:defRPr>
+                <a:solidFill>
+                  <a:schemeClr val="tx2"/>
+                </a:solidFill>
+              </a:defRPr>
+            </a:lvl8pPr>
+            <a:lvl9pPr eaLnBrk="1" hangingPunct="1">
+              <a:defRPr>
+                <a:solidFill>
+                  <a:schemeClr val="tx2"/>
+                </a:solidFill>
+              </a:defRPr>
+            </a:lvl9pPr>
+          </a:lstStyle>
+          <a:p>
+            <a:r>
+              <a:rPr lang="en-US" sz="8800" b="1" dirty="0">
+                <a:solidFill>
+                  <a:schemeClr val="bg1"/>
+                </a:solidFill>
+              </a:rPr>
+              <a:t>AI Features</a:t>
+            </a:r>
+            <a:endParaRPr lang="en-IN" sz="8800" b="1" dirty="0">
+              <a:solidFill>
+                <a:schemeClr val="bg1"/>
+              </a:solidFill>
+            </a:endParaRPr>
+          </a:p>
+        </p:txBody>
+      </p:sp>
+      <p:sp>
+        <p:nvSpPr>
+          <p:cNvPr id="7" name="TextBox 6">
+            <a:extLst>
+              <a:ext uri="{FF2B5EF4-FFF2-40B4-BE49-F238E27FC236}">
+                <a16:creationId xmlns:a16="http://schemas.microsoft.com/office/drawing/2014/main" id="{FC98D804-8132-EF6C-2B67-A19BE6586083}"/>
+              </a:ext>
+            </a:extLst>
+          </p:cNvPr>
+          <p:cNvSpPr txBox="1"/>
+          <p:nvPr/>
+        </p:nvSpPr>
+        <p:spPr>
+          <a:xfrm>
+            <a:off x="2167031" y="2553719"/>
+            <a:ext cx="9076358" cy="1077218"/>
+          </a:xfrm>
+          <a:prstGeom prst="rect">
+            <a:avLst/>
+          </a:prstGeom>
+          <a:noFill/>
+          <a:ln w="38100">
+            <a:solidFill>
+              <a:schemeClr val="tx1"/>
+            </a:solidFill>
+          </a:ln>
+        </p:spPr>
+        <p:txBody>
+          <a:bodyPr wrap="square" rtlCol="0">
+            <a:spAutoFit/>
+          </a:bodyPr>
+          <a:lstStyle/>
+          <a:p>
+            <a:r>
+              <a:rPr lang="en-US" sz="2400" b="1" dirty="0"/>
+              <a:t>Emotion Detection Feature:</a:t>
+            </a:r>
+          </a:p>
+          <a:p>
+            <a:pPr marL="800100" lvl="1" indent="-342900">
+              <a:buFont typeface="Arial" panose="020B0604020202020204" pitchFamily="34" charset="0"/>
+              <a:buChar char="•"/>
+            </a:pPr>
+            <a:r>
+              <a:rPr lang="en-US" sz="2000" b="1" dirty="0"/>
+              <a:t>Real-time emotion analysis during attendance capture</a:t>
+            </a:r>
+          </a:p>
+          <a:p>
+            <a:pPr marL="800100" lvl="1" indent="-342900">
+              <a:buFont typeface="Arial" panose="020B0604020202020204" pitchFamily="34" charset="0"/>
+              <a:buChar char="•"/>
+            </a:pPr>
+            <a:r>
+              <a:rPr lang="en-US" sz="2000" b="1" dirty="0"/>
+              <a:t>Intervention prompt for distressed expressions</a:t>
+            </a:r>
+            <a:endParaRPr lang="en-IN" sz="2000" b="1" dirty="0"/>
+          </a:p>
+        </p:txBody>
+      </p:sp>
+      <p:sp>
+        <p:nvSpPr>
+          <p:cNvPr id="9" name="TextBox 8">
+            <a:extLst>
+              <a:ext uri="{FF2B5EF4-FFF2-40B4-BE49-F238E27FC236}">
+                <a16:creationId xmlns:a16="http://schemas.microsoft.com/office/drawing/2014/main" id="{B24E4BC4-211E-D3A0-2341-0592BE1C3242}"/>
+              </a:ext>
+            </a:extLst>
+          </p:cNvPr>
+          <p:cNvSpPr txBox="1"/>
+          <p:nvPr/>
+        </p:nvSpPr>
+        <p:spPr>
+          <a:xfrm>
+            <a:off x="2167031" y="4075884"/>
+            <a:ext cx="9076358" cy="769441"/>
+          </a:xfrm>
+          <a:prstGeom prst="rect">
+            <a:avLst/>
+          </a:prstGeom>
+          <a:noFill/>
+          <a:ln w="38100">
+            <a:solidFill>
+              <a:schemeClr val="tx1"/>
+            </a:solidFill>
+          </a:ln>
+        </p:spPr>
+        <p:txBody>
+          <a:bodyPr wrap="square">
+            <a:spAutoFit/>
+          </a:bodyPr>
+          <a:lstStyle/>
+          <a:p>
+            <a:r>
+              <a:rPr lang="en-US" sz="2400" b="1" dirty="0"/>
+              <a:t>Liveness Detection Feature:</a:t>
+            </a:r>
+          </a:p>
+          <a:p>
+            <a:pPr marL="800100" lvl="1" indent="-342900">
+              <a:buFont typeface="Arial" panose="020B0604020202020204" pitchFamily="34" charset="0"/>
+              <a:buChar char="•"/>
+            </a:pPr>
+            <a:r>
+              <a:rPr lang="en-US" sz="2000" b="1" dirty="0"/>
+              <a:t>Real-time liveness check to prevent fraud during attendance capture</a:t>
+            </a:r>
+            <a:endParaRPr lang="en-IN" sz="2000" b="1" dirty="0"/>
+          </a:p>
+        </p:txBody>
+      </p:sp>
+    </p:spTree>
+    <p:extLst>
+      <p:ext uri="{BB962C8B-B14F-4D97-AF65-F5344CB8AC3E}">
+        <p14:creationId xmlns:p14="http://schemas.microsoft.com/office/powerpoint/2010/main" val="4135229010"/>
       </p:ext>
     </p:extLst>
   </p:cSld>
